--- a/Final_project/Presentation.pptx
+++ b/Final_project/Presentation.pptx
@@ -117,6 +117,11 @@
       </a:defRPr>
     </a:lvl9pPr>
   </p:defaultTextStyle>
+  <p:extLst>
+    <p:ext uri="{EFAFB233-063F-42B5-8137-9DF3F51BA10A}">
+      <p15:sldGuideLst xmlns:p15="http://schemas.microsoft.com/office/powerpoint/2012/main"/>
+    </p:ext>
+  </p:extLst>
 </p:presentation>
 </file>
 
@@ -291,7 +296,7 @@
           <a:p>
             <a:fld id="{48A87A34-81AB-432B-8DAE-1953F412C126}" type="datetimeFigureOut">
               <a:rPr lang="en-US" dirty="0"/>
-              <a:t>11/17/21</a:t>
+              <a:t>11/18/21</a:t>
             </a:fld>
             <a:endParaRPr lang="en-US" dirty="0"/>
           </a:p>
@@ -598,7 +603,7 @@
           <a:p>
             <a:fld id="{48A87A34-81AB-432B-8DAE-1953F412C126}" type="datetimeFigureOut">
               <a:rPr lang="en-US" dirty="0"/>
-              <a:t>11/17/21</a:t>
+              <a:t>11/18/21</a:t>
             </a:fld>
             <a:endParaRPr lang="en-US" dirty="0"/>
           </a:p>
@@ -815,7 +820,7 @@
           <a:p>
             <a:fld id="{48A87A34-81AB-432B-8DAE-1953F412C126}" type="datetimeFigureOut">
               <a:rPr lang="en-US" dirty="0"/>
-              <a:t>11/17/21</a:t>
+              <a:t>11/18/21</a:t>
             </a:fld>
             <a:endParaRPr lang="en-US" dirty="0"/>
           </a:p>
@@ -1101,7 +1106,7 @@
           <a:p>
             <a:fld id="{48A87A34-81AB-432B-8DAE-1953F412C126}" type="datetimeFigureOut">
               <a:rPr lang="en-US" dirty="0"/>
-              <a:t>11/17/21</a:t>
+              <a:t>11/18/21</a:t>
             </a:fld>
             <a:endParaRPr lang="en-US" dirty="0"/>
           </a:p>
@@ -1550,7 +1555,7 @@
           <a:p>
             <a:fld id="{48A87A34-81AB-432B-8DAE-1953F412C126}" type="datetimeFigureOut">
               <a:rPr lang="en-US" dirty="0"/>
-              <a:t>11/17/21</a:t>
+              <a:t>11/18/21</a:t>
             </a:fld>
             <a:endParaRPr lang="en-US" dirty="0"/>
           </a:p>
@@ -2121,7 +2126,7 @@
           <a:p>
             <a:fld id="{48A87A34-81AB-432B-8DAE-1953F412C126}" type="datetimeFigureOut">
               <a:rPr lang="en-US" dirty="0"/>
-              <a:t>11/17/21</a:t>
+              <a:t>11/18/21</a:t>
             </a:fld>
             <a:endParaRPr lang="en-US" dirty="0"/>
           </a:p>
@@ -2968,7 +2973,7 @@
           <a:p>
             <a:fld id="{48A87A34-81AB-432B-8DAE-1953F412C126}" type="datetimeFigureOut">
               <a:rPr lang="en-US" dirty="0"/>
-              <a:t>11/17/21</a:t>
+              <a:t>11/18/21</a:t>
             </a:fld>
             <a:endParaRPr lang="en-US" dirty="0"/>
           </a:p>
@@ -3168,7 +3173,7 @@
           <a:p>
             <a:fld id="{48A87A34-81AB-432B-8DAE-1953F412C126}" type="datetimeFigureOut">
               <a:rPr lang="en-US" dirty="0"/>
-              <a:t>11/17/21</a:t>
+              <a:t>11/18/21</a:t>
             </a:fld>
             <a:endParaRPr lang="en-US" dirty="0"/>
           </a:p>
@@ -3377,7 +3382,7 @@
           <a:p>
             <a:fld id="{48A87A34-81AB-432B-8DAE-1953F412C126}" type="datetimeFigureOut">
               <a:rPr lang="en-US" dirty="0"/>
-              <a:t>11/17/21</a:t>
+              <a:t>11/18/21</a:t>
             </a:fld>
             <a:endParaRPr lang="en-US" dirty="0"/>
           </a:p>
@@ -3577,7 +3582,7 @@
           <a:p>
             <a:fld id="{48A87A34-81AB-432B-8DAE-1953F412C126}" type="datetimeFigureOut">
               <a:rPr lang="en-US" dirty="0"/>
-              <a:t>11/17/21</a:t>
+              <a:t>11/18/21</a:t>
             </a:fld>
             <a:endParaRPr lang="en-US" dirty="0"/>
           </a:p>
@@ -3852,7 +3857,7 @@
           <a:p>
             <a:fld id="{48A87A34-81AB-432B-8DAE-1953F412C126}" type="datetimeFigureOut">
               <a:rPr lang="en-US" dirty="0"/>
-              <a:t>11/17/21</a:t>
+              <a:t>11/18/21</a:t>
             </a:fld>
             <a:endParaRPr lang="en-US" dirty="0"/>
           </a:p>
@@ -4114,7 +4119,7 @@
           <a:p>
             <a:fld id="{48A87A34-81AB-432B-8DAE-1953F412C126}" type="datetimeFigureOut">
               <a:rPr lang="en-US" dirty="0"/>
-              <a:t>11/17/21</a:t>
+              <a:t>11/18/21</a:t>
             </a:fld>
             <a:endParaRPr lang="en-US" dirty="0"/>
           </a:p>
@@ -4524,7 +4529,7 @@
           <a:p>
             <a:fld id="{48A87A34-81AB-432B-8DAE-1953F412C126}" type="datetimeFigureOut">
               <a:rPr lang="en-US" dirty="0"/>
-              <a:t>11/17/21</a:t>
+              <a:t>11/18/21</a:t>
             </a:fld>
             <a:endParaRPr lang="en-US" dirty="0"/>
           </a:p>
@@ -4667,7 +4672,7 @@
           <a:p>
             <a:fld id="{48A87A34-81AB-432B-8DAE-1953F412C126}" type="datetimeFigureOut">
               <a:rPr lang="en-US" dirty="0"/>
-              <a:t>11/17/21</a:t>
+              <a:t>11/18/21</a:t>
             </a:fld>
             <a:endParaRPr lang="en-US" dirty="0"/>
           </a:p>
@@ -4787,7 +4792,7 @@
           <a:p>
             <a:fld id="{48A87A34-81AB-432B-8DAE-1953F412C126}" type="datetimeFigureOut">
               <a:rPr lang="en-US" dirty="0"/>
-              <a:t>11/17/21</a:t>
+              <a:t>11/18/21</a:t>
             </a:fld>
             <a:endParaRPr lang="en-US" dirty="0"/>
           </a:p>
@@ -5061,7 +5066,7 @@
           <a:p>
             <a:fld id="{48A87A34-81AB-432B-8DAE-1953F412C126}" type="datetimeFigureOut">
               <a:rPr lang="en-US" dirty="0"/>
-              <a:t>11/17/21</a:t>
+              <a:t>11/18/21</a:t>
             </a:fld>
             <a:endParaRPr lang="en-US" dirty="0"/>
           </a:p>
@@ -5368,7 +5373,7 @@
           <a:p>
             <a:fld id="{48A87A34-81AB-432B-8DAE-1953F412C126}" type="datetimeFigureOut">
               <a:rPr lang="en-US" dirty="0"/>
-              <a:t>11/17/21</a:t>
+              <a:t>11/18/21</a:t>
             </a:fld>
             <a:endParaRPr lang="en-US" dirty="0"/>
           </a:p>
@@ -5617,7 +5622,7 @@
             <a:fld id="{48A87A34-81AB-432B-8DAE-1953F412C126}" type="datetimeFigureOut">
               <a:rPr lang="en-US" dirty="0"/>
               <a:pPr/>
-              <a:t>11/17/21</a:t>
+              <a:t>11/18/21</a:t>
             </a:fld>
             <a:endParaRPr lang="en-US" dirty="0"/>
           </a:p>
@@ -6446,12 +6451,20 @@
           <a:lstStyle/>
           <a:p>
             <a:r>
-              <a:rPr lang="en-US"/>
-              <a:t>Firstly, I have trained the model with Logistic Regression with parameters `solver= 'liblinear' , C=1000` and I got </a:t>
-            </a:r>
-            <a:r>
-              <a:rPr lang="en-US" b="1"/>
-              <a:t>the accuracy 89.15 %</a:t>
+              <a:rPr lang="en-US" dirty="0"/>
+              <a:t>Firstly, I have trained the model with Logistic Regression with parameters `solver= '</a:t>
+            </a:r>
+            <a:r>
+              <a:rPr lang="en-US" dirty="0" err="1"/>
+              <a:t>liblinear</a:t>
+            </a:r>
+            <a:r>
+              <a:rPr lang="en-US" dirty="0"/>
+              <a:t>' , C=1000` and I got </a:t>
+            </a:r>
+            <a:r>
+              <a:rPr lang="en-US" b="1" dirty="0"/>
+              <a:t>the accuracy 89.22 %</a:t>
             </a:r>
           </a:p>
         </p:txBody>
@@ -6834,7 +6847,7 @@
             </a:r>
             <a:r>
               <a:rPr lang="en-US" b="1" dirty="0"/>
-              <a:t>the accuracy 93.43 %</a:t>
+              <a:t>the accuracy 93.24 %</a:t>
             </a:r>
           </a:p>
         </p:txBody>
@@ -6954,8 +6967,13 @@
             </a:r>
             <a:r>
               <a:rPr lang="en-US" b="1" dirty="0"/>
-              <a:t>the accuracy 99.61</a:t>
-            </a:r>
+              <a:t>the </a:t>
+            </a:r>
+            <a:r>
+              <a:rPr lang="en-US" b="1"/>
+              <a:t>accuracy 99.58 %</a:t>
+            </a:r>
+            <a:endParaRPr lang="en-US" b="1" dirty="0"/>
           </a:p>
         </p:txBody>
       </p:sp>

--- a/Final_project/Presentation.pptx
+++ b/Final_project/Presentation.pptx
@@ -7160,7 +7160,7 @@
           <a:p>
             <a:r>
               <a:rPr lang="en-US" dirty="0"/>
-              <a:t>It seems that, `Random Forest Classifier` was the best model fit with accuracy score **99.6 %**.</a:t>
+              <a:t>It seems that, `Random Forest Classifier` was the best model fit with accuracy score **99.5 %**.</a:t>
             </a:r>
           </a:p>
           <a:p>

--- a/Final_project/Presentation.pptx
+++ b/Final_project/Presentation.pptx
@@ -6048,6 +6048,32 @@
 <file path=ppt/slides/slide1.xml><?xml version="1.0" encoding="utf-8"?>
 <p:sld xmlns:a="http://schemas.openxmlformats.org/drawingml/2006/main" xmlns:r="http://schemas.openxmlformats.org/officeDocument/2006/relationships" xmlns:p="http://schemas.openxmlformats.org/presentationml/2006/main">
   <p:cSld>
+    <p:bg>
+      <p:bgPr>
+        <a:gradFill rotWithShape="1">
+          <a:gsLst>
+            <a:gs pos="0">
+              <a:schemeClr val="bg2">
+                <a:tint val="84000"/>
+                <a:shade val="100000"/>
+                <a:hueMod val="130000"/>
+                <a:satMod val="150000"/>
+                <a:lumMod val="112000"/>
+              </a:schemeClr>
+            </a:gs>
+            <a:gs pos="100000">
+              <a:schemeClr val="bg2">
+                <a:shade val="92000"/>
+                <a:satMod val="140000"/>
+                <a:lumMod val="110000"/>
+              </a:schemeClr>
+            </a:gs>
+          </a:gsLst>
+          <a:lin ang="5400000" scaled="0"/>
+        </a:gradFill>
+        <a:effectLst/>
+      </p:bgPr>
+    </p:bg>
     <p:spTree>
       <p:nvGrpSpPr>
         <p:cNvPr id="1" name=""/>
@@ -6062,6 +6088,618 @@
           <a:chExt cx="0" cy="0"/>
         </a:xfrm>
       </p:grpSpPr>
+      <p:sp useBgFill="1">
+        <p:nvSpPr>
+          <p:cNvPr id="8" name="Rectangle 7">
+            <a:extLst>
+              <a:ext uri="{FF2B5EF4-FFF2-40B4-BE49-F238E27FC236}">
+                <a16:creationId xmlns:a16="http://schemas.microsoft.com/office/drawing/2014/main" id="{864672EB-02A8-48AB-BCFB-00B78DBA6A1E}"/>
+              </a:ext>
+              <a:ext uri="{C183D7F6-B498-43B3-948B-1728B52AA6E4}">
+                <adec:decorative xmlns:adec="http://schemas.microsoft.com/office/drawing/2017/decorative" val="1"/>
+              </a:ext>
+            </a:extLst>
+          </p:cNvPr>
+          <p:cNvSpPr>
+            <a:spLocks noGrp="1" noRot="1" noChangeAspect="1" noMove="1" noResize="1" noEditPoints="1" noAdjustHandles="1" noChangeArrowheads="1" noChangeShapeType="1" noTextEdit="1"/>
+          </p:cNvSpPr>
+          <p:nvPr>
+            <p:extLst>
+              <p:ext uri="{386F3935-93C4-4BCD-93E2-E3B085C9AB24}">
+                <p16:designElem xmlns:p16="http://schemas.microsoft.com/office/powerpoint/2015/main" val="1"/>
+              </p:ext>
+            </p:extLst>
+          </p:nvPr>
+        </p:nvSpPr>
+        <p:spPr>
+          <a:xfrm>
+            <a:off x="0" y="1"/>
+            <a:ext cx="12188952" cy="6858000"/>
+          </a:xfrm>
+          <a:prstGeom prst="rect">
+            <a:avLst/>
+          </a:prstGeom>
+          <a:ln>
+            <a:noFill/>
+          </a:ln>
+        </p:spPr>
+        <p:style>
+          <a:lnRef idx="2">
+            <a:schemeClr val="accent1">
+              <a:shade val="50000"/>
+            </a:schemeClr>
+          </a:lnRef>
+          <a:fillRef idx="1">
+            <a:schemeClr val="accent1"/>
+          </a:fillRef>
+          <a:effectRef idx="0">
+            <a:schemeClr val="accent1"/>
+          </a:effectRef>
+          <a:fontRef idx="minor">
+            <a:schemeClr val="lt1"/>
+          </a:fontRef>
+        </p:style>
+        <p:txBody>
+          <a:bodyPr rtlCol="0" anchor="ctr"/>
+          <a:lstStyle/>
+          <a:p>
+            <a:pPr algn="ctr"/>
+            <a:endParaRPr lang="en-US"/>
+          </a:p>
+        </p:txBody>
+      </p:sp>
+      <p:sp>
+        <p:nvSpPr>
+          <p:cNvPr id="10" name="Rectangle 9">
+            <a:extLst>
+              <a:ext uri="{FF2B5EF4-FFF2-40B4-BE49-F238E27FC236}">
+                <a16:creationId xmlns:a16="http://schemas.microsoft.com/office/drawing/2014/main" id="{7255A803-13A1-44E9-ACA9-889A5CC39BB5}"/>
+              </a:ext>
+              <a:ext uri="{C183D7F6-B498-43B3-948B-1728B52AA6E4}">
+                <adec:decorative xmlns:adec="http://schemas.microsoft.com/office/drawing/2017/decorative" val="1"/>
+              </a:ext>
+            </a:extLst>
+          </p:cNvPr>
+          <p:cNvSpPr>
+            <a:spLocks noGrp="1" noRot="1" noChangeAspect="1" noMove="1" noResize="1" noEditPoints="1" noAdjustHandles="1" noChangeArrowheads="1" noChangeShapeType="1" noTextEdit="1"/>
+          </p:cNvSpPr>
+          <p:nvPr>
+            <p:extLst>
+              <p:ext uri="{386F3935-93C4-4BCD-93E2-E3B085C9AB24}">
+                <p16:designElem xmlns:p16="http://schemas.microsoft.com/office/powerpoint/2015/main" val="1"/>
+              </p:ext>
+            </p:extLst>
+          </p:nvPr>
+        </p:nvSpPr>
+        <p:spPr>
+          <a:xfrm>
+            <a:off x="11198" y="0"/>
+            <a:ext cx="12192000" cy="6858000"/>
+          </a:xfrm>
+          <a:prstGeom prst="rect">
+            <a:avLst/>
+          </a:prstGeom>
+          <a:solidFill>
+            <a:srgbClr val="0D0D0D">
+              <a:alpha val="40000"/>
+            </a:srgbClr>
+          </a:solidFill>
+          <a:ln>
+            <a:noFill/>
+          </a:ln>
+        </p:spPr>
+        <p:style>
+          <a:lnRef idx="2">
+            <a:schemeClr val="accent1">
+              <a:shade val="50000"/>
+            </a:schemeClr>
+          </a:lnRef>
+          <a:fillRef idx="1">
+            <a:schemeClr val="accent1"/>
+          </a:fillRef>
+          <a:effectRef idx="0">
+            <a:schemeClr val="accent1"/>
+          </a:effectRef>
+          <a:fontRef idx="minor">
+            <a:schemeClr val="lt1"/>
+          </a:fontRef>
+        </p:style>
+        <p:txBody>
+          <a:bodyPr rtlCol="0" anchor="ctr"/>
+          <a:lstStyle/>
+          <a:p>
+            <a:pPr algn="ctr"/>
+            <a:endParaRPr lang="en-US"/>
+          </a:p>
+        </p:txBody>
+      </p:sp>
+      <p:sp useBgFill="1">
+        <p:nvSpPr>
+          <p:cNvPr id="12" name="Rectangle 11">
+            <a:extLst>
+              <a:ext uri="{FF2B5EF4-FFF2-40B4-BE49-F238E27FC236}">
+                <a16:creationId xmlns:a16="http://schemas.microsoft.com/office/drawing/2014/main" id="{BC82C52F-0333-430E-AF00-FA48A518A1A5}"/>
+              </a:ext>
+              <a:ext uri="{C183D7F6-B498-43B3-948B-1728B52AA6E4}">
+                <adec:decorative xmlns:adec="http://schemas.microsoft.com/office/drawing/2017/decorative" val="1"/>
+              </a:ext>
+            </a:extLst>
+          </p:cNvPr>
+          <p:cNvSpPr>
+            <a:spLocks noGrp="1" noRot="1" noChangeAspect="1" noMove="1" noResize="1" noEditPoints="1" noAdjustHandles="1" noChangeArrowheads="1" noChangeShapeType="1" noTextEdit="1"/>
+          </p:cNvSpPr>
+          <p:nvPr>
+            <p:extLst>
+              <p:ext uri="{386F3935-93C4-4BCD-93E2-E3B085C9AB24}">
+                <p16:designElem xmlns:p16="http://schemas.microsoft.com/office/powerpoint/2015/main" val="1"/>
+              </p:ext>
+            </p:extLst>
+          </p:nvPr>
+        </p:nvSpPr>
+        <p:spPr>
+          <a:xfrm>
+            <a:off x="0" y="0"/>
+            <a:ext cx="12192000" cy="5286708"/>
+          </a:xfrm>
+          <a:prstGeom prst="rect">
+            <a:avLst/>
+          </a:prstGeom>
+          <a:ln>
+            <a:noFill/>
+          </a:ln>
+          <a:effectLst>
+            <a:outerShdw blurRad="88900" dist="25400" dir="5400000" algn="t" rotWithShape="0">
+              <a:prstClr val="black">
+                <a:alpha val="40000"/>
+              </a:prstClr>
+            </a:outerShdw>
+          </a:effectLst>
+        </p:spPr>
+        <p:style>
+          <a:lnRef idx="2">
+            <a:schemeClr val="accent1">
+              <a:shade val="50000"/>
+            </a:schemeClr>
+          </a:lnRef>
+          <a:fillRef idx="1">
+            <a:schemeClr val="accent1"/>
+          </a:fillRef>
+          <a:effectRef idx="0">
+            <a:schemeClr val="accent1"/>
+          </a:effectRef>
+          <a:fontRef idx="minor">
+            <a:schemeClr val="lt1"/>
+          </a:fontRef>
+        </p:style>
+        <p:txBody>
+          <a:bodyPr rtlCol="0" anchor="ctr"/>
+          <a:lstStyle/>
+          <a:p>
+            <a:pPr algn="ctr"/>
+            <a:endParaRPr lang="en-US"/>
+          </a:p>
+        </p:txBody>
+      </p:sp>
+      <p:pic>
+        <p:nvPicPr>
+          <p:cNvPr id="14" name="Picture 13">
+            <a:extLst>
+              <a:ext uri="{FF2B5EF4-FFF2-40B4-BE49-F238E27FC236}">
+                <a16:creationId xmlns:a16="http://schemas.microsoft.com/office/drawing/2014/main" id="{BE9CCFFE-A385-4D35-8504-960F050EF7F8}"/>
+              </a:ext>
+              <a:ext uri="{C183D7F6-B498-43B3-948B-1728B52AA6E4}">
+                <adec:decorative xmlns:adec="http://schemas.microsoft.com/office/drawing/2017/decorative" val="1"/>
+              </a:ext>
+            </a:extLst>
+          </p:cNvPr>
+          <p:cNvPicPr>
+            <a:picLocks noGrp="1" noRot="1" noChangeAspect="1" noMove="1" noResize="1" noEditPoints="1" noAdjustHandles="1" noChangeArrowheads="1" noChangeShapeType="1" noCrop="1"/>
+          </p:cNvPicPr>
+          <p:nvPr>
+            <p:extLst>
+              <p:ext uri="{386F3935-93C4-4BCD-93E2-E3B085C9AB24}">
+                <p16:designElem xmlns:p16="http://schemas.microsoft.com/office/powerpoint/2015/main" val="1"/>
+              </p:ext>
+            </p:extLst>
+          </p:nvPr>
+        </p:nvPicPr>
+        <p:blipFill rotWithShape="1">
+          <a:blip r:embed="rId2">
+            <a:extLst>
+              <a:ext uri="{28A0092B-C50C-407E-A947-70E740481C1C}">
+                <a14:useLocalDpi xmlns:a14="http://schemas.microsoft.com/office/drawing/2010/main" val="0"/>
+              </a:ext>
+            </a:extLst>
+          </a:blip>
+          <a:srcRect b="76269"/>
+          <a:stretch/>
+        </p:blipFill>
+        <p:spPr>
+          <a:xfrm>
+            <a:off x="0" y="0"/>
+            <a:ext cx="12192000" cy="1627464"/>
+          </a:xfrm>
+          <a:prstGeom prst="rect">
+            <a:avLst/>
+          </a:prstGeom>
+        </p:spPr>
+      </p:pic>
+      <p:pic>
+        <p:nvPicPr>
+          <p:cNvPr id="16" name="Picture 15">
+            <a:extLst>
+              <a:ext uri="{FF2B5EF4-FFF2-40B4-BE49-F238E27FC236}">
+                <a16:creationId xmlns:a16="http://schemas.microsoft.com/office/drawing/2014/main" id="{1AD41804-3572-46FD-8124-D3079B642712}"/>
+              </a:ext>
+              <a:ext uri="{C183D7F6-B498-43B3-948B-1728B52AA6E4}">
+                <adec:decorative xmlns:adec="http://schemas.microsoft.com/office/drawing/2017/decorative" val="1"/>
+              </a:ext>
+            </a:extLst>
+          </p:cNvPr>
+          <p:cNvPicPr>
+            <a:picLocks noGrp="1" noRot="1" noChangeAspect="1" noMove="1" noResize="1" noEditPoints="1" noAdjustHandles="1" noChangeArrowheads="1" noChangeShapeType="1" noCrop="1"/>
+          </p:cNvPicPr>
+          <p:nvPr>
+            <p:extLst>
+              <p:ext uri="{386F3935-93C4-4BCD-93E2-E3B085C9AB24}">
+                <p16:designElem xmlns:p16="http://schemas.microsoft.com/office/powerpoint/2015/main" val="1"/>
+              </p:ext>
+            </p:extLst>
+          </p:nvPr>
+        </p:nvPicPr>
+        <p:blipFill rotWithShape="1">
+          <a:blip r:embed="rId2">
+            <a:extLst>
+              <a:ext uri="{28A0092B-C50C-407E-A947-70E740481C1C}">
+                <a14:useLocalDpi xmlns:a14="http://schemas.microsoft.com/office/drawing/2010/main" val="0"/>
+              </a:ext>
+            </a:extLst>
+          </a:blip>
+          <a:srcRect l="48251" t="72447" r="32841"/>
+          <a:stretch/>
+        </p:blipFill>
+        <p:spPr>
+          <a:xfrm>
+            <a:off x="6526134" y="3384053"/>
+            <a:ext cx="2305206" cy="1889621"/>
+          </a:xfrm>
+          <a:custGeom>
+            <a:avLst/>
+            <a:gdLst>
+              <a:gd name="connsiteX0" fmla="*/ 8425821 w 12192000"/>
+              <a:gd name="connsiteY0" fmla="*/ 2921316 h 3611460"/>
+              <a:gd name="connsiteX1" fmla="*/ 8425821 w 12192000"/>
+              <a:gd name="connsiteY1" fmla="*/ 3598426 h 3611460"/>
+              <a:gd name="connsiteX2" fmla="*/ 9652455 w 12192000"/>
+              <a:gd name="connsiteY2" fmla="*/ 3598426 h 3611460"/>
+              <a:gd name="connsiteX3" fmla="*/ 9652455 w 12192000"/>
+              <a:gd name="connsiteY3" fmla="*/ 2921316 h 3611460"/>
+              <a:gd name="connsiteX4" fmla="*/ 0 w 12192000"/>
+              <a:gd name="connsiteY4" fmla="*/ 0 h 3611460"/>
+              <a:gd name="connsiteX5" fmla="*/ 12192000 w 12192000"/>
+              <a:gd name="connsiteY5" fmla="*/ 0 h 3611460"/>
+              <a:gd name="connsiteX6" fmla="*/ 12192000 w 12192000"/>
+              <a:gd name="connsiteY6" fmla="*/ 3611460 h 3611460"/>
+              <a:gd name="connsiteX7" fmla="*/ 0 w 12192000"/>
+              <a:gd name="connsiteY7" fmla="*/ 3611460 h 3611460"/>
+            </a:gdLst>
+            <a:ahLst/>
+            <a:cxnLst>
+              <a:cxn ang="0">
+                <a:pos x="connsiteX0" y="connsiteY0"/>
+              </a:cxn>
+              <a:cxn ang="0">
+                <a:pos x="connsiteX1" y="connsiteY1"/>
+              </a:cxn>
+              <a:cxn ang="0">
+                <a:pos x="connsiteX2" y="connsiteY2"/>
+              </a:cxn>
+              <a:cxn ang="0">
+                <a:pos x="connsiteX3" y="connsiteY3"/>
+              </a:cxn>
+              <a:cxn ang="0">
+                <a:pos x="connsiteX4" y="connsiteY4"/>
+              </a:cxn>
+              <a:cxn ang="0">
+                <a:pos x="connsiteX5" y="connsiteY5"/>
+              </a:cxn>
+              <a:cxn ang="0">
+                <a:pos x="connsiteX6" y="connsiteY6"/>
+              </a:cxn>
+              <a:cxn ang="0">
+                <a:pos x="connsiteX7" y="connsiteY7"/>
+              </a:cxn>
+            </a:cxnLst>
+            <a:rect l="l" t="t" r="r" b="b"/>
+            <a:pathLst>
+              <a:path w="12192000" h="3611460">
+                <a:moveTo>
+                  <a:pt x="8425821" y="2921316"/>
+                </a:moveTo>
+                <a:lnTo>
+                  <a:pt x="8425821" y="3598426"/>
+                </a:lnTo>
+                <a:lnTo>
+                  <a:pt x="9652455" y="3598426"/>
+                </a:lnTo>
+                <a:lnTo>
+                  <a:pt x="9652455" y="2921316"/>
+                </a:lnTo>
+                <a:close/>
+                <a:moveTo>
+                  <a:pt x="0" y="0"/>
+                </a:moveTo>
+                <a:lnTo>
+                  <a:pt x="12192000" y="0"/>
+                </a:lnTo>
+                <a:lnTo>
+                  <a:pt x="12192000" y="3611460"/>
+                </a:lnTo>
+                <a:lnTo>
+                  <a:pt x="0" y="3611460"/>
+                </a:lnTo>
+                <a:close/>
+              </a:path>
+            </a:pathLst>
+          </a:custGeom>
+        </p:spPr>
+      </p:pic>
+      <p:pic>
+        <p:nvPicPr>
+          <p:cNvPr id="18" name="Picture 17">
+            <a:extLst>
+              <a:ext uri="{FF2B5EF4-FFF2-40B4-BE49-F238E27FC236}">
+                <a16:creationId xmlns:a16="http://schemas.microsoft.com/office/drawing/2014/main" id="{5316A1D8-3445-4B94-B595-2285C05EEEBE}"/>
+              </a:ext>
+              <a:ext uri="{C183D7F6-B498-43B3-948B-1728B52AA6E4}">
+                <adec:decorative xmlns:adec="http://schemas.microsoft.com/office/drawing/2017/decorative" val="1"/>
+              </a:ext>
+            </a:extLst>
+          </p:cNvPr>
+          <p:cNvPicPr>
+            <a:picLocks noGrp="1" noRot="1" noChangeAspect="1" noMove="1" noResize="1" noEditPoints="1" noAdjustHandles="1" noChangeArrowheads="1" noChangeShapeType="1" noCrop="1"/>
+          </p:cNvPicPr>
+          <p:nvPr>
+            <p:extLst>
+              <p:ext uri="{386F3935-93C4-4BCD-93E2-E3B085C9AB24}">
+                <p16:designElem xmlns:p16="http://schemas.microsoft.com/office/powerpoint/2015/main" val="1"/>
+              </p:ext>
+            </p:extLst>
+          </p:nvPr>
+        </p:nvPicPr>
+        <p:blipFill rotWithShape="1">
+          <a:blip r:embed="rId2">
+            <a:extLst>
+              <a:ext uri="{28A0092B-C50C-407E-A947-70E740481C1C}">
+                <a14:useLocalDpi xmlns:a14="http://schemas.microsoft.com/office/drawing/2010/main" val="0"/>
+              </a:ext>
+            </a:extLst>
+          </a:blip>
+          <a:srcRect l="25269" t="72447" r="62822"/>
+          <a:stretch/>
+        </p:blipFill>
+        <p:spPr>
+          <a:xfrm>
+            <a:off x="5443064" y="3371019"/>
+            <a:ext cx="1451918" cy="1889621"/>
+          </a:xfrm>
+          <a:custGeom>
+            <a:avLst/>
+            <a:gdLst>
+              <a:gd name="connsiteX0" fmla="*/ 8425821 w 12192000"/>
+              <a:gd name="connsiteY0" fmla="*/ 2921316 h 3611460"/>
+              <a:gd name="connsiteX1" fmla="*/ 8425821 w 12192000"/>
+              <a:gd name="connsiteY1" fmla="*/ 3598426 h 3611460"/>
+              <a:gd name="connsiteX2" fmla="*/ 9652455 w 12192000"/>
+              <a:gd name="connsiteY2" fmla="*/ 3598426 h 3611460"/>
+              <a:gd name="connsiteX3" fmla="*/ 9652455 w 12192000"/>
+              <a:gd name="connsiteY3" fmla="*/ 2921316 h 3611460"/>
+              <a:gd name="connsiteX4" fmla="*/ 0 w 12192000"/>
+              <a:gd name="connsiteY4" fmla="*/ 0 h 3611460"/>
+              <a:gd name="connsiteX5" fmla="*/ 12192000 w 12192000"/>
+              <a:gd name="connsiteY5" fmla="*/ 0 h 3611460"/>
+              <a:gd name="connsiteX6" fmla="*/ 12192000 w 12192000"/>
+              <a:gd name="connsiteY6" fmla="*/ 3611460 h 3611460"/>
+              <a:gd name="connsiteX7" fmla="*/ 0 w 12192000"/>
+              <a:gd name="connsiteY7" fmla="*/ 3611460 h 3611460"/>
+            </a:gdLst>
+            <a:ahLst/>
+            <a:cxnLst>
+              <a:cxn ang="0">
+                <a:pos x="connsiteX0" y="connsiteY0"/>
+              </a:cxn>
+              <a:cxn ang="0">
+                <a:pos x="connsiteX1" y="connsiteY1"/>
+              </a:cxn>
+              <a:cxn ang="0">
+                <a:pos x="connsiteX2" y="connsiteY2"/>
+              </a:cxn>
+              <a:cxn ang="0">
+                <a:pos x="connsiteX3" y="connsiteY3"/>
+              </a:cxn>
+              <a:cxn ang="0">
+                <a:pos x="connsiteX4" y="connsiteY4"/>
+              </a:cxn>
+              <a:cxn ang="0">
+                <a:pos x="connsiteX5" y="connsiteY5"/>
+              </a:cxn>
+              <a:cxn ang="0">
+                <a:pos x="connsiteX6" y="connsiteY6"/>
+              </a:cxn>
+              <a:cxn ang="0">
+                <a:pos x="connsiteX7" y="connsiteY7"/>
+              </a:cxn>
+            </a:cxnLst>
+            <a:rect l="l" t="t" r="r" b="b"/>
+            <a:pathLst>
+              <a:path w="12192000" h="3611460">
+                <a:moveTo>
+                  <a:pt x="8425821" y="2921316"/>
+                </a:moveTo>
+                <a:lnTo>
+                  <a:pt x="8425821" y="3598426"/>
+                </a:lnTo>
+                <a:lnTo>
+                  <a:pt x="9652455" y="3598426"/>
+                </a:lnTo>
+                <a:lnTo>
+                  <a:pt x="9652455" y="2921316"/>
+                </a:lnTo>
+                <a:close/>
+                <a:moveTo>
+                  <a:pt x="0" y="0"/>
+                </a:moveTo>
+                <a:lnTo>
+                  <a:pt x="12192000" y="0"/>
+                </a:lnTo>
+                <a:lnTo>
+                  <a:pt x="12192000" y="3611460"/>
+                </a:lnTo>
+                <a:lnTo>
+                  <a:pt x="0" y="3611460"/>
+                </a:lnTo>
+                <a:close/>
+              </a:path>
+            </a:pathLst>
+          </a:custGeom>
+        </p:spPr>
+      </p:pic>
+      <p:pic>
+        <p:nvPicPr>
+          <p:cNvPr id="20" name="Picture 19">
+            <a:extLst>
+              <a:ext uri="{FF2B5EF4-FFF2-40B4-BE49-F238E27FC236}">
+                <a16:creationId xmlns:a16="http://schemas.microsoft.com/office/drawing/2014/main" id="{2FA7483C-C90B-453F-AB53-60D8FDE6D3F6}"/>
+              </a:ext>
+              <a:ext uri="{C183D7F6-B498-43B3-948B-1728B52AA6E4}">
+                <adec:decorative xmlns:adec="http://schemas.microsoft.com/office/drawing/2017/decorative" val="1"/>
+              </a:ext>
+            </a:extLst>
+          </p:cNvPr>
+          <p:cNvPicPr>
+            <a:picLocks noGrp="1" noRot="1" noChangeAspect="1" noMove="1" noResize="1" noEditPoints="1" noAdjustHandles="1" noChangeArrowheads="1" noChangeShapeType="1" noCrop="1"/>
+          </p:cNvPicPr>
+          <p:nvPr>
+            <p:extLst>
+              <p:ext uri="{386F3935-93C4-4BCD-93E2-E3B085C9AB24}">
+                <p16:designElem xmlns:p16="http://schemas.microsoft.com/office/powerpoint/2015/main" val="1"/>
+              </p:ext>
+            </p:extLst>
+          </p:nvPr>
+        </p:nvPicPr>
+        <p:blipFill rotWithShape="1">
+          <a:blip r:embed="rId2">
+            <a:extLst>
+              <a:ext uri="{28A0092B-C50C-407E-A947-70E740481C1C}">
+                <a14:useLocalDpi xmlns:a14="http://schemas.microsoft.com/office/drawing/2010/main" val="0"/>
+              </a:ext>
+            </a:extLst>
+          </a:blip>
+          <a:srcRect l="73445" t="47340"/>
+          <a:stretch/>
+        </p:blipFill>
+        <p:spPr>
+          <a:xfrm>
+            <a:off x="8965579" y="1675248"/>
+            <a:ext cx="3237619" cy="3611460"/>
+          </a:xfrm>
+          <a:custGeom>
+            <a:avLst/>
+            <a:gdLst>
+              <a:gd name="connsiteX0" fmla="*/ 2237500 w 3237619"/>
+              <a:gd name="connsiteY0" fmla="*/ 2921316 h 3611460"/>
+              <a:gd name="connsiteX1" fmla="*/ 2237500 w 3237619"/>
+              <a:gd name="connsiteY1" fmla="*/ 3598426 h 3611460"/>
+              <a:gd name="connsiteX2" fmla="*/ 2563236 w 3237619"/>
+              <a:gd name="connsiteY2" fmla="*/ 3598426 h 3611460"/>
+              <a:gd name="connsiteX3" fmla="*/ 2563236 w 3237619"/>
+              <a:gd name="connsiteY3" fmla="*/ 2921316 h 3611460"/>
+              <a:gd name="connsiteX4" fmla="*/ 0 w 3237619"/>
+              <a:gd name="connsiteY4" fmla="*/ 0 h 3611460"/>
+              <a:gd name="connsiteX5" fmla="*/ 3237619 w 3237619"/>
+              <a:gd name="connsiteY5" fmla="*/ 0 h 3611460"/>
+              <a:gd name="connsiteX6" fmla="*/ 3237619 w 3237619"/>
+              <a:gd name="connsiteY6" fmla="*/ 3611460 h 3611460"/>
+              <a:gd name="connsiteX7" fmla="*/ 557562 w 3237619"/>
+              <a:gd name="connsiteY7" fmla="*/ 3611460 h 3611460"/>
+              <a:gd name="connsiteX8" fmla="*/ 557562 w 3237619"/>
+              <a:gd name="connsiteY8" fmla="*/ 2822752 h 3611460"/>
+              <a:gd name="connsiteX9" fmla="*/ 0 w 3237619"/>
+              <a:gd name="connsiteY9" fmla="*/ 2822752 h 3611460"/>
+            </a:gdLst>
+            <a:ahLst/>
+            <a:cxnLst>
+              <a:cxn ang="0">
+                <a:pos x="connsiteX0" y="connsiteY0"/>
+              </a:cxn>
+              <a:cxn ang="0">
+                <a:pos x="connsiteX1" y="connsiteY1"/>
+              </a:cxn>
+              <a:cxn ang="0">
+                <a:pos x="connsiteX2" y="connsiteY2"/>
+              </a:cxn>
+              <a:cxn ang="0">
+                <a:pos x="connsiteX3" y="connsiteY3"/>
+              </a:cxn>
+              <a:cxn ang="0">
+                <a:pos x="connsiteX4" y="connsiteY4"/>
+              </a:cxn>
+              <a:cxn ang="0">
+                <a:pos x="connsiteX5" y="connsiteY5"/>
+              </a:cxn>
+              <a:cxn ang="0">
+                <a:pos x="connsiteX6" y="connsiteY6"/>
+              </a:cxn>
+              <a:cxn ang="0">
+                <a:pos x="connsiteX7" y="connsiteY7"/>
+              </a:cxn>
+              <a:cxn ang="0">
+                <a:pos x="connsiteX8" y="connsiteY8"/>
+              </a:cxn>
+              <a:cxn ang="0">
+                <a:pos x="connsiteX9" y="connsiteY9"/>
+              </a:cxn>
+            </a:cxnLst>
+            <a:rect l="l" t="t" r="r" b="b"/>
+            <a:pathLst>
+              <a:path w="3237619" h="3611460">
+                <a:moveTo>
+                  <a:pt x="2237500" y="2921316"/>
+                </a:moveTo>
+                <a:lnTo>
+                  <a:pt x="2237500" y="3598426"/>
+                </a:lnTo>
+                <a:lnTo>
+                  <a:pt x="2563236" y="3598426"/>
+                </a:lnTo>
+                <a:lnTo>
+                  <a:pt x="2563236" y="2921316"/>
+                </a:lnTo>
+                <a:close/>
+                <a:moveTo>
+                  <a:pt x="0" y="0"/>
+                </a:moveTo>
+                <a:lnTo>
+                  <a:pt x="3237619" y="0"/>
+                </a:lnTo>
+                <a:lnTo>
+                  <a:pt x="3237619" y="3611460"/>
+                </a:lnTo>
+                <a:lnTo>
+                  <a:pt x="557562" y="3611460"/>
+                </a:lnTo>
+                <a:lnTo>
+                  <a:pt x="557562" y="2822752"/>
+                </a:lnTo>
+                <a:lnTo>
+                  <a:pt x="0" y="2822752"/>
+                </a:lnTo>
+                <a:close/>
+              </a:path>
+            </a:pathLst>
+          </a:custGeom>
+        </p:spPr>
+      </p:pic>
       <p:sp>
         <p:nvSpPr>
           <p:cNvPr id="2" name="Title 1">
@@ -6078,19 +6716,26 @@
             <p:ph type="ctrTitle"/>
           </p:nvPr>
         </p:nvSpPr>
-        <p:spPr/>
-        <p:txBody>
-          <a:bodyPr/>
+        <p:spPr>
+          <a:xfrm>
+            <a:off x="1762210" y="1812760"/>
+            <a:ext cx="8689976" cy="1844385"/>
+          </a:xfrm>
+        </p:spPr>
+        <p:txBody>
+          <a:bodyPr>
+            <a:normAutofit/>
+          </a:bodyPr>
           <a:lstStyle/>
           <a:p>
             <a:r>
-              <a:rPr lang="en-US" b="1" dirty="0"/>
+              <a:rPr lang="en-US" sz="4000" b="1" dirty="0"/>
               <a:t>Predicting The rain phenomena in Saudi Arabia</a:t>
             </a:r>
             <a:br>
-              <a:rPr lang="en-US" b="1" dirty="0"/>
+              <a:rPr lang="en-US" sz="4000" b="1" dirty="0"/>
             </a:br>
-            <a:endParaRPr lang="en-SA" dirty="0"/>
+            <a:endParaRPr lang="en-SA" sz="4000" dirty="0"/>
           </a:p>
         </p:txBody>
       </p:sp>
@@ -6110,24 +6755,48 @@
             <p:ph type="subTitle" idx="1"/>
           </p:nvPr>
         </p:nvSpPr>
-        <p:spPr/>
-        <p:txBody>
-          <a:bodyPr/>
+        <p:spPr>
+          <a:xfrm>
+            <a:off x="1835233" y="5281984"/>
+            <a:ext cx="8689976" cy="1078889"/>
+          </a:xfrm>
+        </p:spPr>
+        <p:txBody>
+          <a:bodyPr>
+            <a:normAutofit/>
+          </a:bodyPr>
           <a:lstStyle/>
           <a:p>
             <a:r>
-              <a:rPr lang="en-US" dirty="0" err="1"/>
+              <a:rPr lang="en-US" dirty="0" err="1">
+                <a:solidFill>
+                  <a:schemeClr val="tx1">
+                    <a:lumMod val="50000"/>
+                    <a:lumOff val="50000"/>
+                  </a:schemeClr>
+                </a:solidFill>
+              </a:rPr>
               <a:t>Naif</a:t>
             </a:r>
             <a:r>
-              <a:rPr lang="en-US" dirty="0"/>
-              <a:t> </a:t>
-            </a:r>
-            <a:r>
-              <a:rPr lang="en-US" dirty="0" err="1"/>
-              <a:t>Alorfi</a:t>
-            </a:r>
-            <a:endParaRPr lang="en-SA" dirty="0"/>
+              <a:rPr lang="en-US" dirty="0">
+                <a:solidFill>
+                  <a:schemeClr val="tx1">
+                    <a:lumMod val="50000"/>
+                    <a:lumOff val="50000"/>
+                  </a:schemeClr>
+                </a:solidFill>
+              </a:rPr>
+              <a:t> Alorfi</a:t>
+            </a:r>
+            <a:endParaRPr lang="en-SA" dirty="0">
+              <a:solidFill>
+                <a:schemeClr val="tx1">
+                  <a:lumMod val="50000"/>
+                  <a:lumOff val="50000"/>
+                </a:schemeClr>
+              </a:solidFill>
+            </a:endParaRPr>
           </a:p>
         </p:txBody>
       </p:sp>
@@ -6139,8 +6808,147 @@
     </p:extLst>
   </p:cSld>
   <p:clrMapOvr>
-    <a:masterClrMapping/>
+    <a:overrideClrMapping bg1="dk1" tx1="lt1" bg2="dk2" tx2="lt2" accent1="accent1" accent2="accent2" accent3="accent3" accent4="accent4" accent5="accent5" accent6="accent6" hlink="hlink" folHlink="folHlink"/>
   </p:clrMapOvr>
+  <p:timing>
+    <p:tnLst>
+      <p:par>
+        <p:cTn id="1" dur="indefinite" restart="never" nodeType="tmRoot">
+          <p:childTnLst>
+            <p:seq concurrent="1" nextAc="seek">
+              <p:cTn id="2" dur="indefinite" nodeType="mainSeq">
+                <p:childTnLst>
+                  <p:par>
+                    <p:cTn id="3" fill="hold">
+                      <p:stCondLst>
+                        <p:cond delay="indefinite"/>
+                        <p:cond evt="onBegin" delay="0">
+                          <p:tn val="2"/>
+                        </p:cond>
+                      </p:stCondLst>
+                      <p:childTnLst>
+                        <p:par>
+                          <p:cTn id="4" fill="hold">
+                            <p:stCondLst>
+                              <p:cond delay="0"/>
+                            </p:stCondLst>
+                            <p:childTnLst>
+                              <p:par>
+                                <p:cTn id="5" presetID="10" presetClass="entr" presetSubtype="0" fill="hold" grpId="0" nodeType="withEffect">
+                                  <p:stCondLst>
+                                    <p:cond delay="2000"/>
+                                  </p:stCondLst>
+                                  <p:iterate type="lt">
+                                    <p:tmPct val="10000"/>
+                                  </p:iterate>
+                                  <p:childTnLst>
+                                    <p:set>
+                                      <p:cBhvr>
+                                        <p:cTn id="6" dur="1" fill="hold">
+                                          <p:stCondLst>
+                                            <p:cond delay="0"/>
+                                          </p:stCondLst>
+                                        </p:cTn>
+                                        <p:tgtEl>
+                                          <p:spTgt spid="3">
+                                            <p:txEl>
+                                              <p:pRg st="0" end="0"/>
+                                            </p:txEl>
+                                          </p:spTgt>
+                                        </p:tgtEl>
+                                        <p:attrNameLst>
+                                          <p:attrName>style.visibility</p:attrName>
+                                        </p:attrNameLst>
+                                      </p:cBhvr>
+                                      <p:to>
+                                        <p:strVal val="visible"/>
+                                      </p:to>
+                                    </p:set>
+                                    <p:animEffect transition="in" filter="fade">
+                                      <p:cBhvr>
+                                        <p:cTn id="7" dur="400"/>
+                                        <p:tgtEl>
+                                          <p:spTgt spid="3">
+                                            <p:txEl>
+                                              <p:pRg st="0" end="0"/>
+                                            </p:txEl>
+                                          </p:spTgt>
+                                        </p:tgtEl>
+                                      </p:cBhvr>
+                                    </p:animEffect>
+                                  </p:childTnLst>
+                                </p:cTn>
+                              </p:par>
+                              <p:par>
+                                <p:cTn id="8" presetID="10" presetClass="entr" presetSubtype="0" fill="hold" grpId="0" nodeType="withEffect">
+                                  <p:stCondLst>
+                                    <p:cond delay="500"/>
+                                  </p:stCondLst>
+                                  <p:iterate type="lt">
+                                    <p:tmPct val="10000"/>
+                                  </p:iterate>
+                                  <p:childTnLst>
+                                    <p:set>
+                                      <p:cBhvr>
+                                        <p:cTn id="9" dur="1" fill="hold">
+                                          <p:stCondLst>
+                                            <p:cond delay="0"/>
+                                          </p:stCondLst>
+                                        </p:cTn>
+                                        <p:tgtEl>
+                                          <p:spTgt spid="2"/>
+                                        </p:tgtEl>
+                                        <p:attrNameLst>
+                                          <p:attrName>style.visibility</p:attrName>
+                                        </p:attrNameLst>
+                                      </p:cBhvr>
+                                      <p:to>
+                                        <p:strVal val="visible"/>
+                                      </p:to>
+                                    </p:set>
+                                    <p:animEffect transition="in" filter="fade">
+                                      <p:cBhvr>
+                                        <p:cTn id="10" dur="400"/>
+                                        <p:tgtEl>
+                                          <p:spTgt spid="2"/>
+                                        </p:tgtEl>
+                                      </p:cBhvr>
+                                    </p:animEffect>
+                                  </p:childTnLst>
+                                </p:cTn>
+                              </p:par>
+                            </p:childTnLst>
+                          </p:cTn>
+                        </p:par>
+                      </p:childTnLst>
+                    </p:cTn>
+                  </p:par>
+                </p:childTnLst>
+              </p:cTn>
+              <p:prevCondLst>
+                <p:cond evt="onPrev" delay="0">
+                  <p:tgtEl>
+                    <p:sldTgt/>
+                  </p:tgtEl>
+                </p:cond>
+              </p:prevCondLst>
+              <p:nextCondLst>
+                <p:cond evt="onNext" delay="0">
+                  <p:tgtEl>
+                    <p:sldTgt/>
+                  </p:tgtEl>
+                </p:cond>
+              </p:nextCondLst>
+            </p:seq>
+          </p:childTnLst>
+        </p:cTn>
+      </p:par>
+    </p:tnLst>
+    <p:bldLst>
+      <p:bldP spid="2" grpId="0"/>
+      <p:bldP spid="3" grpId="0" build="p"/>
+    </p:bldLst>
+  </p:timing>
 </p:sld>
 </file>
 
@@ -7057,6 +7865,32 @@
 <file path=ppt/slides/slide13.xml><?xml version="1.0" encoding="utf-8"?>
 <p:sld xmlns:a="http://schemas.openxmlformats.org/drawingml/2006/main" xmlns:r="http://schemas.openxmlformats.org/officeDocument/2006/relationships" xmlns:p="http://schemas.openxmlformats.org/presentationml/2006/main">
   <p:cSld>
+    <p:bg>
+      <p:bgPr>
+        <a:gradFill rotWithShape="1">
+          <a:gsLst>
+            <a:gs pos="0">
+              <a:schemeClr val="bg2">
+                <a:tint val="84000"/>
+                <a:shade val="100000"/>
+                <a:hueMod val="130000"/>
+                <a:satMod val="150000"/>
+                <a:lumMod val="112000"/>
+              </a:schemeClr>
+            </a:gs>
+            <a:gs pos="100000">
+              <a:schemeClr val="bg2">
+                <a:shade val="92000"/>
+                <a:satMod val="140000"/>
+                <a:lumMod val="110000"/>
+              </a:schemeClr>
+            </a:gs>
+          </a:gsLst>
+          <a:lin ang="5400000" scaled="0"/>
+        </a:gradFill>
+        <a:effectLst/>
+      </p:bgPr>
+    </p:bg>
     <p:spTree>
       <p:nvGrpSpPr>
         <p:cNvPr id="1" name=""/>
@@ -7071,6 +7905,198 @@
           <a:chExt cx="0" cy="0"/>
         </a:xfrm>
       </p:grpSpPr>
+      <p:sp useBgFill="1">
+        <p:nvSpPr>
+          <p:cNvPr id="19" name="Rectangle 18">
+            <a:extLst>
+              <a:ext uri="{FF2B5EF4-FFF2-40B4-BE49-F238E27FC236}">
+                <a16:creationId xmlns:a16="http://schemas.microsoft.com/office/drawing/2014/main" id="{5D1C0F6D-5AB0-457D-A2E5-4B8E77E3905D}"/>
+              </a:ext>
+              <a:ext uri="{C183D7F6-B498-43B3-948B-1728B52AA6E4}">
+                <adec:decorative xmlns:adec="http://schemas.microsoft.com/office/drawing/2017/decorative" val="1"/>
+              </a:ext>
+            </a:extLst>
+          </p:cNvPr>
+          <p:cNvSpPr>
+            <a:spLocks noGrp="1" noRot="1" noChangeAspect="1" noMove="1" noResize="1" noEditPoints="1" noAdjustHandles="1" noChangeArrowheads="1" noChangeShapeType="1" noTextEdit="1"/>
+          </p:cNvSpPr>
+          <p:nvPr>
+            <p:extLst>
+              <p:ext uri="{386F3935-93C4-4BCD-93E2-E3B085C9AB24}">
+                <p16:designElem xmlns:p16="http://schemas.microsoft.com/office/powerpoint/2015/main" val="1"/>
+              </p:ext>
+            </p:extLst>
+          </p:nvPr>
+        </p:nvSpPr>
+        <p:spPr>
+          <a:xfrm>
+            <a:off x="0" y="1"/>
+            <a:ext cx="12188952" cy="6858000"/>
+          </a:xfrm>
+          <a:prstGeom prst="rect">
+            <a:avLst/>
+          </a:prstGeom>
+          <a:ln>
+            <a:noFill/>
+          </a:ln>
+        </p:spPr>
+        <p:style>
+          <a:lnRef idx="2">
+            <a:schemeClr val="accent1">
+              <a:shade val="50000"/>
+            </a:schemeClr>
+          </a:lnRef>
+          <a:fillRef idx="1">
+            <a:schemeClr val="accent1"/>
+          </a:fillRef>
+          <a:effectRef idx="0">
+            <a:schemeClr val="accent1"/>
+          </a:effectRef>
+          <a:fontRef idx="minor">
+            <a:schemeClr val="lt1"/>
+          </a:fontRef>
+        </p:style>
+        <p:txBody>
+          <a:bodyPr rtlCol="0" anchor="ctr"/>
+          <a:lstStyle/>
+          <a:p>
+            <a:pPr algn="ctr"/>
+            <a:endParaRPr lang="en-US"/>
+          </a:p>
+        </p:txBody>
+      </p:sp>
+      <p:sp>
+        <p:nvSpPr>
+          <p:cNvPr id="21" name="Rectangle 20">
+            <a:extLst>
+              <a:ext uri="{FF2B5EF4-FFF2-40B4-BE49-F238E27FC236}">
+                <a16:creationId xmlns:a16="http://schemas.microsoft.com/office/drawing/2014/main" id="{FD56A97F-536A-4D70-BE3C-46ED7477A145}"/>
+              </a:ext>
+              <a:ext uri="{C183D7F6-B498-43B3-948B-1728B52AA6E4}">
+                <adec:decorative xmlns:adec="http://schemas.microsoft.com/office/drawing/2017/decorative" val="1"/>
+              </a:ext>
+            </a:extLst>
+          </p:cNvPr>
+          <p:cNvSpPr>
+            <a:spLocks noGrp="1" noRot="1" noChangeAspect="1" noMove="1" noResize="1" noEditPoints="1" noAdjustHandles="1" noChangeArrowheads="1" noChangeShapeType="1" noTextEdit="1"/>
+          </p:cNvSpPr>
+          <p:nvPr>
+            <p:extLst>
+              <p:ext uri="{386F3935-93C4-4BCD-93E2-E3B085C9AB24}">
+                <p16:designElem xmlns:p16="http://schemas.microsoft.com/office/powerpoint/2015/main" val="1"/>
+              </p:ext>
+            </p:extLst>
+          </p:nvPr>
+        </p:nvSpPr>
+        <p:spPr>
+          <a:xfrm>
+            <a:off x="0" y="0"/>
+            <a:ext cx="12192000" cy="6858000"/>
+          </a:xfrm>
+          <a:prstGeom prst="rect">
+            <a:avLst/>
+          </a:prstGeom>
+          <a:solidFill>
+            <a:srgbClr val="0D0D0D">
+              <a:alpha val="40000"/>
+            </a:srgbClr>
+          </a:solidFill>
+          <a:ln>
+            <a:noFill/>
+          </a:ln>
+        </p:spPr>
+        <p:style>
+          <a:lnRef idx="2">
+            <a:schemeClr val="accent1">
+              <a:shade val="50000"/>
+            </a:schemeClr>
+          </a:lnRef>
+          <a:fillRef idx="1">
+            <a:schemeClr val="accent1"/>
+          </a:fillRef>
+          <a:effectRef idx="0">
+            <a:schemeClr val="accent1"/>
+          </a:effectRef>
+          <a:fontRef idx="minor">
+            <a:schemeClr val="lt1"/>
+          </a:fontRef>
+        </p:style>
+        <p:txBody>
+          <a:bodyPr rtlCol="0" anchor="ctr"/>
+          <a:lstStyle/>
+          <a:p>
+            <a:pPr algn="ctr"/>
+            <a:endParaRPr lang="en-US"/>
+          </a:p>
+        </p:txBody>
+      </p:sp>
+      <p:sp useBgFill="1">
+        <p:nvSpPr>
+          <p:cNvPr id="23" name="Rectangle 22">
+            <a:extLst>
+              <a:ext uri="{FF2B5EF4-FFF2-40B4-BE49-F238E27FC236}">
+                <a16:creationId xmlns:a16="http://schemas.microsoft.com/office/drawing/2014/main" id="{C8F27DD5-AB09-4348-AEAE-38DD5BF3BA34}"/>
+              </a:ext>
+              <a:ext uri="{C183D7F6-B498-43B3-948B-1728B52AA6E4}">
+                <adec:decorative xmlns:adec="http://schemas.microsoft.com/office/drawing/2017/decorative" val="1"/>
+              </a:ext>
+            </a:extLst>
+          </p:cNvPr>
+          <p:cNvSpPr>
+            <a:spLocks noGrp="1" noRot="1" noChangeAspect="1" noMove="1" noResize="1" noEditPoints="1" noAdjustHandles="1" noChangeArrowheads="1" noChangeShapeType="1" noTextEdit="1"/>
+          </p:cNvSpPr>
+          <p:nvPr>
+            <p:extLst>
+              <p:ext uri="{386F3935-93C4-4BCD-93E2-E3B085C9AB24}">
+                <p16:designElem xmlns:p16="http://schemas.microsoft.com/office/powerpoint/2015/main" val="1"/>
+              </p:ext>
+            </p:extLst>
+          </p:nvPr>
+        </p:nvSpPr>
+        <p:spPr>
+          <a:xfrm>
+            <a:off x="0" y="0"/>
+            <a:ext cx="12192000" cy="5284159"/>
+          </a:xfrm>
+          <a:prstGeom prst="rect">
+            <a:avLst/>
+          </a:prstGeom>
+          <a:ln>
+            <a:noFill/>
+          </a:ln>
+          <a:effectLst>
+            <a:outerShdw blurRad="88900" dist="25400" dir="5400000" algn="t" rotWithShape="0">
+              <a:prstClr val="black">
+                <a:alpha val="40000"/>
+              </a:prstClr>
+            </a:outerShdw>
+          </a:effectLst>
+        </p:spPr>
+        <p:style>
+          <a:lnRef idx="2">
+            <a:schemeClr val="accent1">
+              <a:shade val="50000"/>
+            </a:schemeClr>
+          </a:lnRef>
+          <a:fillRef idx="1">
+            <a:schemeClr val="accent1"/>
+          </a:fillRef>
+          <a:effectRef idx="0">
+            <a:schemeClr val="accent1"/>
+          </a:effectRef>
+          <a:fontRef idx="minor">
+            <a:schemeClr val="lt1"/>
+          </a:fontRef>
+        </p:style>
+        <p:txBody>
+          <a:bodyPr rtlCol="0" anchor="ctr"/>
+          <a:lstStyle/>
+          <a:p>
+            <a:pPr algn="ctr"/>
+            <a:endParaRPr lang="en-US"/>
+          </a:p>
+        </p:txBody>
+      </p:sp>
       <p:sp>
         <p:nvSpPr>
           <p:cNvPr id="2" name="Title 1">
@@ -7087,13 +8113,21 @@
             <p:ph type="title"/>
           </p:nvPr>
         </p:nvSpPr>
-        <p:spPr/>
-        <p:txBody>
-          <a:bodyPr/>
+        <p:spPr>
+          <a:xfrm>
+            <a:off x="913776" y="643466"/>
+            <a:ext cx="3418784" cy="4308475"/>
+          </a:xfrm>
+        </p:spPr>
+        <p:txBody>
+          <a:bodyPr anchor="t">
+            <a:normAutofit/>
+          </a:bodyPr>
           <a:lstStyle/>
           <a:p>
-            <a:r>
-              <a:rPr lang="en-SA" dirty="0"/>
+            <a:pPr algn="l"/>
+            <a:r>
+              <a:rPr lang="en-SA" sz="4100"/>
               <a:t>Conclusion</a:t>
             </a:r>
           </a:p>
@@ -7115,62 +8149,156 @@
             <p:ph sz="quarter" idx="13"/>
           </p:nvPr>
         </p:nvSpPr>
-        <p:spPr/>
+        <p:spPr>
+          <a:xfrm>
+            <a:off x="4654295" y="643466"/>
+            <a:ext cx="6623305" cy="4308476"/>
+          </a:xfrm>
+        </p:spPr>
         <p:txBody>
           <a:bodyPr>
-            <a:normAutofit fontScale="85000" lnSpcReduction="10000"/>
+            <a:normAutofit/>
           </a:bodyPr>
           <a:lstStyle/>
           <a:p>
-            <a:r>
-              <a:rPr lang="en-US" dirty="0"/>
+            <a:pPr>
+              <a:lnSpc>
+                <a:spcPct val="110000"/>
+              </a:lnSpc>
+            </a:pPr>
+            <a:r>
+              <a:rPr lang="en-US" sz="1500"/>
               <a:t>I have cleaned up the dataset by replacing the missing values with mean per city.</a:t>
             </a:r>
           </a:p>
           <a:p>
-            <a:r>
-              <a:rPr lang="en-US" dirty="0"/>
+            <a:pPr>
+              <a:lnSpc>
+                <a:spcPct val="110000"/>
+              </a:lnSpc>
+            </a:pPr>
+            <a:r>
+              <a:rPr lang="en-US" sz="1500"/>
               <a:t>Then, I have resolved  the outliers to the minimum and maximum values then I have balanced the data with SMOTE and the Feature Scaling is implemented.</a:t>
             </a:r>
           </a:p>
           <a:p>
-            <a:r>
-              <a:rPr lang="en-US" dirty="0"/>
+            <a:pPr>
+              <a:lnSpc>
+                <a:spcPct val="110000"/>
+              </a:lnSpc>
+            </a:pPr>
+            <a:r>
+              <a:rPr lang="en-US" sz="1500"/>
               <a:t>Finally, I have Trained the training dataset with three models and got the accuracy, recall, precision and F1-score:</a:t>
             </a:r>
           </a:p>
           <a:p>
-            <a:r>
-              <a:rPr lang="en-US" dirty="0"/>
+            <a:pPr>
+              <a:lnSpc>
+                <a:spcPct val="110000"/>
+              </a:lnSpc>
+            </a:pPr>
+            <a:r>
+              <a:rPr lang="en-US" sz="1500"/>
               <a:t>1- Logistic Regression.</a:t>
             </a:r>
           </a:p>
           <a:p>
-            <a:r>
-              <a:rPr lang="en-US" dirty="0"/>
+            <a:pPr>
+              <a:lnSpc>
+                <a:spcPct val="110000"/>
+              </a:lnSpc>
+            </a:pPr>
+            <a:r>
+              <a:rPr lang="en-US" sz="1500"/>
               <a:t>2- Artificial Neural Network (ANN).</a:t>
             </a:r>
           </a:p>
           <a:p>
-            <a:r>
-              <a:rPr lang="en-US" dirty="0"/>
+            <a:pPr>
+              <a:lnSpc>
+                <a:spcPct val="110000"/>
+              </a:lnSpc>
+            </a:pPr>
+            <a:r>
+              <a:rPr lang="en-US" sz="1500"/>
               <a:t>3- Random Forest Classifier.</a:t>
             </a:r>
           </a:p>
           <a:p>
-            <a:r>
-              <a:rPr lang="en-US" dirty="0"/>
+            <a:pPr>
+              <a:lnSpc>
+                <a:spcPct val="110000"/>
+              </a:lnSpc>
+            </a:pPr>
+            <a:r>
+              <a:rPr lang="en-US" sz="1500"/>
               <a:t>It seems that, `Random Forest Classifier` was the best model fit with accuracy score **99.5 %**.</a:t>
             </a:r>
           </a:p>
           <a:p>
-            <a:endParaRPr lang="en-US" dirty="0"/>
-          </a:p>
-          <a:p>
-            <a:endParaRPr lang="en-SA" dirty="0"/>
-          </a:p>
-        </p:txBody>
-      </p:sp>
+            <a:pPr>
+              <a:lnSpc>
+                <a:spcPct val="110000"/>
+              </a:lnSpc>
+            </a:pPr>
+            <a:endParaRPr lang="en-US" sz="1500"/>
+          </a:p>
+          <a:p>
+            <a:pPr>
+              <a:lnSpc>
+                <a:spcPct val="110000"/>
+              </a:lnSpc>
+            </a:pPr>
+            <a:endParaRPr lang="en-SA" sz="1500"/>
+          </a:p>
+        </p:txBody>
+      </p:sp>
+      <p:pic>
+        <p:nvPicPr>
+          <p:cNvPr id="25" name="Picture 24">
+            <a:extLst>
+              <a:ext uri="{FF2B5EF4-FFF2-40B4-BE49-F238E27FC236}">
+                <a16:creationId xmlns:a16="http://schemas.microsoft.com/office/drawing/2014/main" id="{522BA091-022A-4EB4-BBA0-0309BF5F9190}"/>
+              </a:ext>
+              <a:ext uri="{C183D7F6-B498-43B3-948B-1728B52AA6E4}">
+                <adec:decorative xmlns:adec="http://schemas.microsoft.com/office/drawing/2017/decorative" val="1"/>
+              </a:ext>
+            </a:extLst>
+          </p:cNvPr>
+          <p:cNvPicPr>
+            <a:picLocks noGrp="1" noRot="1" noChangeAspect="1" noMove="1" noResize="1" noEditPoints="1" noAdjustHandles="1" noChangeArrowheads="1" noChangeShapeType="1" noCrop="1"/>
+          </p:cNvPicPr>
+          <p:nvPr>
+            <p:extLst>
+              <p:ext uri="{386F3935-93C4-4BCD-93E2-E3B085C9AB24}">
+                <p16:designElem xmlns:p16="http://schemas.microsoft.com/office/powerpoint/2015/main" val="1"/>
+              </p:ext>
+            </p:extLst>
+          </p:nvPr>
+        </p:nvPicPr>
+        <p:blipFill rotWithShape="1">
+          <a:blip r:embed="rId2">
+            <a:extLst>
+              <a:ext uri="{28A0092B-C50C-407E-A947-70E740481C1C}">
+                <a14:useLocalDpi xmlns:a14="http://schemas.microsoft.com/office/drawing/2010/main" val="0"/>
+              </a:ext>
+            </a:extLst>
+          </a:blip>
+          <a:srcRect t="79187"/>
+          <a:stretch/>
+        </p:blipFill>
+        <p:spPr>
+          <a:xfrm>
+            <a:off x="0" y="5430644"/>
+            <a:ext cx="12192000" cy="1427356"/>
+          </a:xfrm>
+          <a:prstGeom prst="rect">
+            <a:avLst/>
+          </a:prstGeom>
+        </p:spPr>
+      </p:pic>
     </p:spTree>
     <p:extLst>
       <p:ext uri="{BB962C8B-B14F-4D97-AF65-F5344CB8AC3E}">
@@ -7179,7 +8307,7 @@
     </p:extLst>
   </p:cSld>
   <p:clrMapOvr>
-    <a:masterClrMapping/>
+    <a:overrideClrMapping bg1="dk1" tx1="lt1" bg2="dk2" tx2="lt2" accent1="accent1" accent2="accent2" accent3="accent3" accent4="accent4" accent5="accent5" accent6="accent6" hlink="hlink" folHlink="folHlink"/>
   </p:clrMapOvr>
 </p:sld>
 </file>
@@ -7187,6 +8315,28 @@
 <file path=ppt/slides/slide14.xml><?xml version="1.0" encoding="utf-8"?>
 <p:sld xmlns:a="http://schemas.openxmlformats.org/drawingml/2006/main" xmlns:r="http://schemas.openxmlformats.org/officeDocument/2006/relationships" xmlns:p="http://schemas.openxmlformats.org/presentationml/2006/main">
   <p:cSld>
+    <p:bg>
+      <p:bgPr>
+        <a:gradFill rotWithShape="1">
+          <a:gsLst>
+            <a:gs pos="0">
+              <a:schemeClr val="bg1">
+                <a:tint val="90000"/>
+                <a:lumMod val="110000"/>
+              </a:schemeClr>
+            </a:gs>
+            <a:gs pos="100000">
+              <a:schemeClr val="bg1">
+                <a:shade val="64000"/>
+                <a:lumMod val="88000"/>
+              </a:schemeClr>
+            </a:gs>
+          </a:gsLst>
+          <a:lin ang="5400000" scaled="0"/>
+        </a:gradFill>
+        <a:effectLst/>
+      </p:bgPr>
+    </p:bg>
     <p:spTree>
       <p:nvGrpSpPr>
         <p:cNvPr id="1" name=""/>
@@ -7201,6 +8351,168 @@
           <a:chExt cx="0" cy="0"/>
         </a:xfrm>
       </p:grpSpPr>
+      <p:pic>
+        <p:nvPicPr>
+          <p:cNvPr id="25" name="Picture 2">
+            <a:extLst>
+              <a:ext uri="{FF2B5EF4-FFF2-40B4-BE49-F238E27FC236}">
+                <a16:creationId xmlns:a16="http://schemas.microsoft.com/office/drawing/2014/main" id="{25496B42-CC46-4183-B481-887CD3E8C725}"/>
+              </a:ext>
+              <a:ext uri="{C183D7F6-B498-43B3-948B-1728B52AA6E4}">
+                <adec:decorative xmlns:adec="http://schemas.microsoft.com/office/drawing/2017/decorative" val="1"/>
+              </a:ext>
+            </a:extLst>
+          </p:cNvPr>
+          <p:cNvPicPr>
+            <a:picLocks noGrp="1" noRot="1" noChangeAspect="1" noMove="1" noResize="1" noEditPoints="1" noAdjustHandles="1" noChangeArrowheads="1" noChangeShapeType="1" noCrop="1"/>
+          </p:cNvPicPr>
+          <p:nvPr>
+            <p:extLst>
+              <p:ext uri="{386F3935-93C4-4BCD-93E2-E3B085C9AB24}">
+                <p16:designElem xmlns:p16="http://schemas.microsoft.com/office/powerpoint/2015/main" val="1"/>
+              </p:ext>
+            </p:extLst>
+          </p:nvPr>
+        </p:nvPicPr>
+        <p:blipFill>
+          <a:blip r:embed="rId2">
+            <a:alphaModFix/>
+            <a:extLst>
+              <a:ext uri="{28A0092B-C50C-407E-A947-70E740481C1C}">
+                <a14:useLocalDpi xmlns:a14="http://schemas.microsoft.com/office/drawing/2010/main" val="0"/>
+              </a:ext>
+            </a:extLst>
+          </a:blip>
+          <a:srcRect/>
+          <a:stretch>
+            <a:fillRect/>
+          </a:stretch>
+        </p:blipFill>
+        <p:spPr bwMode="auto">
+          <a:xfrm>
+            <a:off x="0" y="-1"/>
+            <a:ext cx="12192003" cy="6858001"/>
+          </a:xfrm>
+          <a:prstGeom prst="rect">
+            <a:avLst/>
+          </a:prstGeom>
+          <a:noFill/>
+          <a:extLst>
+            <a:ext uri="{909E8E84-426E-40DD-AFC4-6F175D3DCCD1}">
+              <a14:hiddenFill xmlns:a14="http://schemas.microsoft.com/office/drawing/2010/main">
+                <a:solidFill>
+                  <a:srgbClr val="FFFFFF"/>
+                </a:solidFill>
+              </a14:hiddenFill>
+            </a:ext>
+          </a:extLst>
+        </p:spPr>
+      </p:pic>
+      <p:pic>
+        <p:nvPicPr>
+          <p:cNvPr id="27" name="Picture 26">
+            <a:extLst>
+              <a:ext uri="{FF2B5EF4-FFF2-40B4-BE49-F238E27FC236}">
+                <a16:creationId xmlns:a16="http://schemas.microsoft.com/office/drawing/2014/main" id="{E2758CE0-F916-4DCE-88D1-71430BE441B2}"/>
+              </a:ext>
+              <a:ext uri="{C183D7F6-B498-43B3-948B-1728B52AA6E4}">
+                <adec:decorative xmlns:adec="http://schemas.microsoft.com/office/drawing/2017/decorative" val="1"/>
+              </a:ext>
+            </a:extLst>
+          </p:cNvPr>
+          <p:cNvPicPr>
+            <a:picLocks noGrp="1" noRot="1" noChangeAspect="1" noMove="1" noResize="1" noEditPoints="1" noAdjustHandles="1" noChangeArrowheads="1" noChangeShapeType="1" noCrop="1"/>
+          </p:cNvPicPr>
+          <p:nvPr>
+            <p:extLst>
+              <p:ext uri="{386F3935-93C4-4BCD-93E2-E3B085C9AB24}">
+                <p16:designElem xmlns:p16="http://schemas.microsoft.com/office/powerpoint/2015/main" val="1"/>
+              </p:ext>
+            </p:extLst>
+          </p:nvPr>
+        </p:nvPicPr>
+        <p:blipFill>
+          <a:blip r:embed="rId3">
+            <a:extLst>
+              <a:ext uri="{28A0092B-C50C-407E-A947-70E740481C1C}">
+                <a14:useLocalDpi xmlns:a14="http://schemas.microsoft.com/office/drawing/2010/main" val="0"/>
+              </a:ext>
+            </a:extLst>
+          </a:blip>
+          <a:stretch>
+            <a:fillRect/>
+          </a:stretch>
+        </p:blipFill>
+        <p:spPr>
+          <a:xfrm>
+            <a:off x="0" y="0"/>
+            <a:ext cx="12192000" cy="6858000"/>
+          </a:xfrm>
+          <a:prstGeom prst="rect">
+            <a:avLst/>
+          </a:prstGeom>
+        </p:spPr>
+      </p:pic>
+      <p:sp useBgFill="1">
+        <p:nvSpPr>
+          <p:cNvPr id="29" name="Rectangle 28">
+            <a:extLst>
+              <a:ext uri="{FF2B5EF4-FFF2-40B4-BE49-F238E27FC236}">
+                <a16:creationId xmlns:a16="http://schemas.microsoft.com/office/drawing/2014/main" id="{31CA2540-FD07-4286-91E4-8D0DE4E50979}"/>
+              </a:ext>
+              <a:ext uri="{C183D7F6-B498-43B3-948B-1728B52AA6E4}">
+                <adec:decorative xmlns:adec="http://schemas.microsoft.com/office/drawing/2017/decorative" val="1"/>
+              </a:ext>
+            </a:extLst>
+          </p:cNvPr>
+          <p:cNvSpPr>
+            <a:spLocks noGrp="1" noRot="1" noChangeAspect="1" noMove="1" noResize="1" noEditPoints="1" noAdjustHandles="1" noChangeArrowheads="1" noChangeShapeType="1" noTextEdit="1"/>
+          </p:cNvSpPr>
+          <p:nvPr>
+            <p:extLst>
+              <p:ext uri="{386F3935-93C4-4BCD-93E2-E3B085C9AB24}">
+                <p16:designElem xmlns:p16="http://schemas.microsoft.com/office/powerpoint/2015/main" val="1"/>
+              </p:ext>
+            </p:extLst>
+          </p:nvPr>
+        </p:nvSpPr>
+        <p:spPr>
+          <a:xfrm>
+            <a:off x="0" y="0"/>
+            <a:ext cx="12192000" cy="6858000"/>
+          </a:xfrm>
+          <a:prstGeom prst="rect">
+            <a:avLst/>
+          </a:prstGeom>
+          <a:ln>
+            <a:noFill/>
+          </a:ln>
+        </p:spPr>
+        <p:style>
+          <a:lnRef idx="2">
+            <a:schemeClr val="accent1">
+              <a:shade val="50000"/>
+            </a:schemeClr>
+          </a:lnRef>
+          <a:fillRef idx="1">
+            <a:schemeClr val="accent1"/>
+          </a:fillRef>
+          <a:effectRef idx="0">
+            <a:schemeClr val="accent1"/>
+          </a:effectRef>
+          <a:fontRef idx="minor">
+            <a:schemeClr val="lt1"/>
+          </a:fontRef>
+        </p:style>
+        <p:txBody>
+          <a:bodyPr rtlCol="0" anchor="ctr"/>
+          <a:lstStyle/>
+          <a:p>
+            <a:pPr algn="ctr"/>
+            <a:endParaRPr lang="en-US" dirty="0"/>
+          </a:p>
+        </p:txBody>
+      </p:sp>
       <p:sp>
         <p:nvSpPr>
           <p:cNvPr id="2" name="Title 1">
@@ -7217,43 +8529,255 @@
             <p:ph type="title"/>
           </p:nvPr>
         </p:nvSpPr>
-        <p:spPr/>
-        <p:txBody>
-          <a:bodyPr/>
+        <p:spPr>
+          <a:xfrm>
+            <a:off x="1126762" y="1227279"/>
+            <a:ext cx="4328819" cy="2509213"/>
+          </a:xfrm>
+        </p:spPr>
+        <p:txBody>
+          <a:bodyPr vert="horz" lIns="91440" tIns="45720" rIns="91440" bIns="45720" rtlCol="0" anchor="b">
+            <a:normAutofit/>
+          </a:bodyPr>
           <a:lstStyle/>
           <a:p>
             <a:r>
-              <a:rPr lang="en-SA" dirty="0"/>
+              <a:rPr lang="en-US" sz="4800"/>
               <a:t>THANK YOU </a:t>
             </a:r>
           </a:p>
         </p:txBody>
       </p:sp>
-      <p:sp>
-        <p:nvSpPr>
-          <p:cNvPr id="3" name="Text Placeholder 2">
+      <p:pic>
+        <p:nvPicPr>
+          <p:cNvPr id="31" name="Picture 30">
             <a:extLst>
               <a:ext uri="{FF2B5EF4-FFF2-40B4-BE49-F238E27FC236}">
-                <a16:creationId xmlns:a16="http://schemas.microsoft.com/office/drawing/2014/main" id="{EC9A5C57-210E-BA41-81EA-FCD647A8E8DE}"/>
+                <a16:creationId xmlns:a16="http://schemas.microsoft.com/office/drawing/2014/main" id="{214924F5-CDC2-4DFA-82F3-4843ADD678A7}"/>
+              </a:ext>
+              <a:ext uri="{C183D7F6-B498-43B3-948B-1728B52AA6E4}">
+                <adec:decorative xmlns:adec="http://schemas.microsoft.com/office/drawing/2017/decorative" val="1"/>
               </a:ext>
             </a:extLst>
           </p:cNvPr>
-          <p:cNvSpPr>
-            <a:spLocks noGrp="1"/>
-          </p:cNvSpPr>
-          <p:nvPr>
-            <p:ph type="body" sz="half" idx="2"/>
-          </p:nvPr>
-        </p:nvSpPr>
-        <p:spPr/>
-        <p:txBody>
-          <a:bodyPr/>
-          <a:lstStyle/>
-          <a:p>
-            <a:endParaRPr lang="en-SA" dirty="0"/>
-          </a:p>
-        </p:txBody>
-      </p:sp>
+          <p:cNvPicPr>
+            <a:picLocks noGrp="1" noRot="1" noChangeAspect="1" noMove="1" noResize="1" noEditPoints="1" noAdjustHandles="1" noChangeArrowheads="1" noChangeShapeType="1" noCrop="1"/>
+          </p:cNvPicPr>
+          <p:nvPr>
+            <p:extLst>
+              <p:ext uri="{386F3935-93C4-4BCD-93E2-E3B085C9AB24}">
+                <p16:designElem xmlns:p16="http://schemas.microsoft.com/office/powerpoint/2015/main" val="1"/>
+              </p:ext>
+            </p:extLst>
+          </p:nvPr>
+        </p:nvPicPr>
+        <p:blipFill rotWithShape="1">
+          <a:blip r:embed="rId4">
+            <a:extLst>
+              <a:ext uri="{28A0092B-C50C-407E-A947-70E740481C1C}">
+                <a14:useLocalDpi xmlns:a14="http://schemas.microsoft.com/office/drawing/2010/main" val="0"/>
+              </a:ext>
+            </a:extLst>
+          </a:blip>
+          <a:srcRect l="55295" t="89389" r="26987" b="24"/>
+          <a:stretch/>
+        </p:blipFill>
+        <p:spPr>
+          <a:xfrm flipH="1">
+            <a:off x="0" y="-1"/>
+            <a:ext cx="2596444" cy="872709"/>
+          </a:xfrm>
+          <a:prstGeom prst="rect">
+            <a:avLst/>
+          </a:prstGeom>
+        </p:spPr>
+      </p:pic>
+      <p:pic>
+        <p:nvPicPr>
+          <p:cNvPr id="33" name="Picture 32">
+            <a:extLst>
+              <a:ext uri="{FF2B5EF4-FFF2-40B4-BE49-F238E27FC236}">
+                <a16:creationId xmlns:a16="http://schemas.microsoft.com/office/drawing/2014/main" id="{AED59812-6820-446C-B994-0D059C97DC3F}"/>
+              </a:ext>
+              <a:ext uri="{C183D7F6-B498-43B3-948B-1728B52AA6E4}">
+                <adec:decorative xmlns:adec="http://schemas.microsoft.com/office/drawing/2017/decorative" val="1"/>
+              </a:ext>
+            </a:extLst>
+          </p:cNvPr>
+          <p:cNvPicPr>
+            <a:picLocks noGrp="1" noRot="1" noChangeAspect="1" noMove="1" noResize="1" noEditPoints="1" noAdjustHandles="1" noChangeArrowheads="1" noChangeShapeType="1" noCrop="1"/>
+          </p:cNvPicPr>
+          <p:nvPr>
+            <p:extLst>
+              <p:ext uri="{386F3935-93C4-4BCD-93E2-E3B085C9AB24}">
+                <p16:designElem xmlns:p16="http://schemas.microsoft.com/office/powerpoint/2015/main" val="1"/>
+              </p:ext>
+            </p:extLst>
+          </p:nvPr>
+        </p:nvPicPr>
+        <p:blipFill rotWithShape="1">
+          <a:blip r:embed="rId4">
+            <a:extLst>
+              <a:ext uri="{28A0092B-C50C-407E-A947-70E740481C1C}">
+                <a14:useLocalDpi xmlns:a14="http://schemas.microsoft.com/office/drawing/2010/main" val="0"/>
+              </a:ext>
+            </a:extLst>
+          </a:blip>
+          <a:srcRect l="91927" t="72411" b="13751"/>
+          <a:stretch/>
+        </p:blipFill>
+        <p:spPr>
+          <a:xfrm>
+            <a:off x="10473994" y="5564567"/>
+            <a:ext cx="1341545" cy="1293433"/>
+          </a:xfrm>
+          <a:custGeom>
+            <a:avLst/>
+            <a:gdLst>
+              <a:gd name="connsiteX0" fmla="*/ 0 w 1341545"/>
+              <a:gd name="connsiteY0" fmla="*/ 0 h 1293433"/>
+              <a:gd name="connsiteX1" fmla="*/ 1341545 w 1341545"/>
+              <a:gd name="connsiteY1" fmla="*/ 0 h 1293433"/>
+              <a:gd name="connsiteX2" fmla="*/ 1341545 w 1341545"/>
+              <a:gd name="connsiteY2" fmla="*/ 1293433 h 1293433"/>
+              <a:gd name="connsiteX3" fmla="*/ 150847 w 1341545"/>
+              <a:gd name="connsiteY3" fmla="*/ 1293433 h 1293433"/>
+              <a:gd name="connsiteX4" fmla="*/ 66240 w 1341545"/>
+              <a:gd name="connsiteY4" fmla="*/ 1183451 h 1293433"/>
+              <a:gd name="connsiteX5" fmla="*/ 0 w 1341545"/>
+              <a:gd name="connsiteY5" fmla="*/ 1061841 h 1293433"/>
+            </a:gdLst>
+            <a:ahLst/>
+            <a:cxnLst>
+              <a:cxn ang="0">
+                <a:pos x="connsiteX0" y="connsiteY0"/>
+              </a:cxn>
+              <a:cxn ang="0">
+                <a:pos x="connsiteX1" y="connsiteY1"/>
+              </a:cxn>
+              <a:cxn ang="0">
+                <a:pos x="connsiteX2" y="connsiteY2"/>
+              </a:cxn>
+              <a:cxn ang="0">
+                <a:pos x="connsiteX3" y="connsiteY3"/>
+              </a:cxn>
+              <a:cxn ang="0">
+                <a:pos x="connsiteX4" y="connsiteY4"/>
+              </a:cxn>
+              <a:cxn ang="0">
+                <a:pos x="connsiteX5" y="connsiteY5"/>
+              </a:cxn>
+            </a:cxnLst>
+            <a:rect l="l" t="t" r="r" b="b"/>
+            <a:pathLst>
+              <a:path w="1341545" h="1293433">
+                <a:moveTo>
+                  <a:pt x="0" y="0"/>
+                </a:moveTo>
+                <a:lnTo>
+                  <a:pt x="1341545" y="0"/>
+                </a:lnTo>
+                <a:lnTo>
+                  <a:pt x="1341545" y="1293433"/>
+                </a:lnTo>
+                <a:lnTo>
+                  <a:pt x="150847" y="1293433"/>
+                </a:lnTo>
+                <a:lnTo>
+                  <a:pt x="66240" y="1183451"/>
+                </a:lnTo>
+                <a:lnTo>
+                  <a:pt x="0" y="1061841"/>
+                </a:lnTo>
+                <a:close/>
+              </a:path>
+            </a:pathLst>
+          </a:custGeom>
+        </p:spPr>
+      </p:pic>
+      <p:pic>
+        <p:nvPicPr>
+          <p:cNvPr id="22" name="Graphic 21" descr="Smiling Face with No Fill">
+            <a:extLst>
+              <a:ext uri="{FF2B5EF4-FFF2-40B4-BE49-F238E27FC236}">
+                <a16:creationId xmlns:a16="http://schemas.microsoft.com/office/drawing/2014/main" id="{9B76E1E4-C9E9-4A00-9B8B-694C95D8E905}"/>
+              </a:ext>
+            </a:extLst>
+          </p:cNvPr>
+          <p:cNvPicPr>
+            <a:picLocks noChangeAspect="1"/>
+          </p:cNvPicPr>
+          <p:nvPr/>
+        </p:nvPicPr>
+        <p:blipFill>
+          <a:blip r:embed="rId5">
+            <a:extLst>
+              <a:ext uri="{28A0092B-C50C-407E-A947-70E740481C1C}">
+                <a14:useLocalDpi xmlns:a14="http://schemas.microsoft.com/office/drawing/2010/main" val="0"/>
+              </a:ext>
+              <a:ext uri="{96DAC541-7B7A-43D3-8B79-37D633B846F1}">
+                <asvg:svgBlip xmlns:asvg="http://schemas.microsoft.com/office/drawing/2016/SVG/main" r:embed="rId6"/>
+              </a:ext>
+            </a:extLst>
+          </a:blip>
+          <a:stretch>
+            <a:fillRect/>
+          </a:stretch>
+        </p:blipFill>
+        <p:spPr>
+          <a:xfrm>
+            <a:off x="6290459" y="948266"/>
+            <a:ext cx="4743406" cy="4743406"/>
+          </a:xfrm>
+          <a:prstGeom prst="rect">
+            <a:avLst/>
+          </a:prstGeom>
+        </p:spPr>
+      </p:pic>
+      <p:pic>
+        <p:nvPicPr>
+          <p:cNvPr id="35" name="Picture 34">
+            <a:extLst>
+              <a:ext uri="{FF2B5EF4-FFF2-40B4-BE49-F238E27FC236}">
+                <a16:creationId xmlns:a16="http://schemas.microsoft.com/office/drawing/2014/main" id="{E844ED7C-1917-40D8-8B42-1B1C27BC5A54}"/>
+              </a:ext>
+              <a:ext uri="{C183D7F6-B498-43B3-948B-1728B52AA6E4}">
+                <adec:decorative xmlns:adec="http://schemas.microsoft.com/office/drawing/2017/decorative" val="1"/>
+              </a:ext>
+            </a:extLst>
+          </p:cNvPr>
+          <p:cNvPicPr>
+            <a:picLocks noGrp="1" noRot="1" noChangeAspect="1" noMove="1" noResize="1" noEditPoints="1" noAdjustHandles="1" noChangeArrowheads="1" noChangeShapeType="1" noCrop="1"/>
+          </p:cNvPicPr>
+          <p:nvPr>
+            <p:extLst>
+              <p:ext uri="{386F3935-93C4-4BCD-93E2-E3B085C9AB24}">
+                <p16:designElem xmlns:p16="http://schemas.microsoft.com/office/powerpoint/2015/main" val="1"/>
+              </p:ext>
+            </p:extLst>
+          </p:nvPr>
+        </p:nvPicPr>
+        <p:blipFill rotWithShape="1">
+          <a:blip r:embed="rId3">
+            <a:extLst>
+              <a:ext uri="{28A0092B-C50C-407E-A947-70E740481C1C}">
+                <a14:useLocalDpi xmlns:a14="http://schemas.microsoft.com/office/drawing/2010/main" val="0"/>
+              </a:ext>
+            </a:extLst>
+          </a:blip>
+          <a:srcRect l="73623" t="43915" r="1" b="18252"/>
+          <a:stretch/>
+        </p:blipFill>
+        <p:spPr>
+          <a:xfrm flipH="1">
+            <a:off x="0" y="3142319"/>
+            <a:ext cx="4605339" cy="3715682"/>
+          </a:xfrm>
+          <a:prstGeom prst="rect">
+            <a:avLst/>
+          </a:prstGeom>
+        </p:spPr>
+      </p:pic>
     </p:spTree>
     <p:extLst>
       <p:ext uri="{BB962C8B-B14F-4D97-AF65-F5344CB8AC3E}">
@@ -7270,6 +8794,32 @@
 <file path=ppt/slides/slide2.xml><?xml version="1.0" encoding="utf-8"?>
 <p:sld xmlns:a="http://schemas.openxmlformats.org/drawingml/2006/main" xmlns:r="http://schemas.openxmlformats.org/officeDocument/2006/relationships" xmlns:p="http://schemas.openxmlformats.org/presentationml/2006/main">
   <p:cSld>
+    <p:bg>
+      <p:bgPr>
+        <a:gradFill rotWithShape="1">
+          <a:gsLst>
+            <a:gs pos="0">
+              <a:schemeClr val="bg1">
+                <a:tint val="84000"/>
+                <a:shade val="100000"/>
+                <a:hueMod val="130000"/>
+                <a:satMod val="150000"/>
+                <a:lumMod val="112000"/>
+              </a:schemeClr>
+            </a:gs>
+            <a:gs pos="100000">
+              <a:schemeClr val="bg1">
+                <a:shade val="92000"/>
+                <a:satMod val="140000"/>
+                <a:lumMod val="110000"/>
+              </a:schemeClr>
+            </a:gs>
+          </a:gsLst>
+          <a:lin ang="5400000" scaled="0"/>
+        </a:gradFill>
+        <a:effectLst/>
+      </p:bgPr>
+    </p:bg>
     <p:spTree>
       <p:nvGrpSpPr>
         <p:cNvPr id="1" name=""/>
@@ -7284,6 +8834,138 @@
           <a:chExt cx="0" cy="0"/>
         </a:xfrm>
       </p:grpSpPr>
+      <p:sp useBgFill="1">
+        <p:nvSpPr>
+          <p:cNvPr id="8" name="Rectangle 7">
+            <a:extLst>
+              <a:ext uri="{FF2B5EF4-FFF2-40B4-BE49-F238E27FC236}">
+                <a16:creationId xmlns:a16="http://schemas.microsoft.com/office/drawing/2014/main" id="{3A9C15D4-2EE7-4D05-B87C-91D1F3B9604B}"/>
+              </a:ext>
+              <a:ext uri="{C183D7F6-B498-43B3-948B-1728B52AA6E4}">
+                <adec:decorative xmlns:adec="http://schemas.microsoft.com/office/drawing/2017/decorative" val="1"/>
+              </a:ext>
+            </a:extLst>
+          </p:cNvPr>
+          <p:cNvSpPr>
+            <a:spLocks noGrp="1" noRot="1" noChangeAspect="1" noMove="1" noResize="1" noEditPoints="1" noAdjustHandles="1" noChangeArrowheads="1" noChangeShapeType="1" noTextEdit="1"/>
+          </p:cNvSpPr>
+          <p:nvPr>
+            <p:extLst>
+              <p:ext uri="{386F3935-93C4-4BCD-93E2-E3B085C9AB24}">
+                <p16:designElem xmlns:p16="http://schemas.microsoft.com/office/powerpoint/2015/main" val="1"/>
+              </p:ext>
+            </p:extLst>
+          </p:nvPr>
+        </p:nvSpPr>
+        <p:spPr>
+          <a:xfrm>
+            <a:off x="4059935" y="0"/>
+            <a:ext cx="8132065" cy="6858000"/>
+          </a:xfrm>
+          <a:prstGeom prst="rect">
+            <a:avLst/>
+          </a:prstGeom>
+          <a:ln>
+            <a:noFill/>
+          </a:ln>
+        </p:spPr>
+        <p:style>
+          <a:lnRef idx="2">
+            <a:schemeClr val="accent1">
+              <a:shade val="50000"/>
+            </a:schemeClr>
+          </a:lnRef>
+          <a:fillRef idx="1">
+            <a:schemeClr val="accent1"/>
+          </a:fillRef>
+          <a:effectRef idx="0">
+            <a:schemeClr val="accent1"/>
+          </a:effectRef>
+          <a:fontRef idx="minor">
+            <a:schemeClr val="lt1"/>
+          </a:fontRef>
+        </p:style>
+        <p:txBody>
+          <a:bodyPr rtlCol="0" anchor="ctr"/>
+          <a:lstStyle/>
+          <a:p>
+            <a:pPr algn="ctr"/>
+            <a:endParaRPr lang="en-US"/>
+          </a:p>
+        </p:txBody>
+      </p:sp>
+      <p:sp>
+        <p:nvSpPr>
+          <p:cNvPr id="10" name="Rectangle 9">
+            <a:extLst>
+              <a:ext uri="{FF2B5EF4-FFF2-40B4-BE49-F238E27FC236}">
+                <a16:creationId xmlns:a16="http://schemas.microsoft.com/office/drawing/2014/main" id="{4ED7B0FB-9654-4441-9545-02D458B68620}"/>
+              </a:ext>
+              <a:ext uri="{C183D7F6-B498-43B3-948B-1728B52AA6E4}">
+                <adec:decorative xmlns:adec="http://schemas.microsoft.com/office/drawing/2017/decorative" val="1"/>
+              </a:ext>
+            </a:extLst>
+          </p:cNvPr>
+          <p:cNvSpPr>
+            <a:spLocks noGrp="1" noRot="1" noChangeAspect="1" noMove="1" noResize="1" noEditPoints="1" noAdjustHandles="1" noChangeArrowheads="1" noChangeShapeType="1" noTextEdit="1"/>
+          </p:cNvSpPr>
+          <p:nvPr>
+            <p:extLst>
+              <p:ext uri="{386F3935-93C4-4BCD-93E2-E3B085C9AB24}">
+                <p16:designElem xmlns:p16="http://schemas.microsoft.com/office/powerpoint/2015/main" val="1"/>
+              </p:ext>
+            </p:extLst>
+          </p:nvPr>
+        </p:nvSpPr>
+        <p:spPr>
+          <a:xfrm>
+            <a:off x="0" y="0"/>
+            <a:ext cx="4059935" cy="6858000"/>
+          </a:xfrm>
+          <a:prstGeom prst="rect">
+            <a:avLst/>
+          </a:prstGeom>
+          <a:solidFill>
+            <a:schemeClr val="accent1">
+              <a:lumMod val="75000"/>
+            </a:schemeClr>
+          </a:solidFill>
+          <a:ln>
+            <a:noFill/>
+          </a:ln>
+          <a:effectLst>
+            <a:outerShdw blurRad="50800" dist="12700" algn="l" rotWithShape="0">
+              <a:prstClr val="black">
+                <a:alpha val="30000"/>
+              </a:prstClr>
+            </a:outerShdw>
+          </a:effectLst>
+        </p:spPr>
+        <p:style>
+          <a:lnRef idx="2">
+            <a:schemeClr val="accent1">
+              <a:shade val="50000"/>
+            </a:schemeClr>
+          </a:lnRef>
+          <a:fillRef idx="1002">
+            <a:schemeClr val="lt1"/>
+          </a:fillRef>
+          <a:effectRef idx="0">
+            <a:schemeClr val="accent1"/>
+          </a:effectRef>
+          <a:fontRef idx="minor">
+            <a:schemeClr val="lt1"/>
+          </a:fontRef>
+        </p:style>
+        <p:txBody>
+          <a:bodyPr rtlCol="0" anchor="ctr"/>
+          <a:lstStyle/>
+          <a:p>
+            <a:pPr algn="ctr"/>
+            <a:endParaRPr lang="en-US"/>
+          </a:p>
+        </p:txBody>
+      </p:sp>
       <p:sp>
         <p:nvSpPr>
           <p:cNvPr id="2" name="Title 1">
@@ -7300,19 +8982,79 @@
             <p:ph type="title"/>
           </p:nvPr>
         </p:nvSpPr>
-        <p:spPr/>
-        <p:txBody>
-          <a:bodyPr/>
+        <p:spPr>
+          <a:xfrm>
+            <a:off x="641074" y="1588878"/>
+            <a:ext cx="2844002" cy="3680244"/>
+          </a:xfrm>
+        </p:spPr>
+        <p:txBody>
+          <a:bodyPr>
+            <a:normAutofit/>
+          </a:bodyPr>
           <a:lstStyle/>
           <a:p>
-            <a:r>
-              <a:rPr lang="en-US" dirty="0"/>
+            <a:pPr algn="l"/>
+            <a:r>
+              <a:rPr lang="en-US" sz="4400">
+                <a:solidFill>
+                  <a:srgbClr val="FFFFFF"/>
+                </a:solidFill>
+              </a:rPr>
               <a:t>IS IT GOING TO RAIN?</a:t>
             </a:r>
-            <a:endParaRPr lang="en-SA" dirty="0"/>
-          </a:p>
-        </p:txBody>
-      </p:sp>
+            <a:endParaRPr lang="en-SA" sz="4400">
+              <a:solidFill>
+                <a:srgbClr val="FFFFFF"/>
+              </a:solidFill>
+            </a:endParaRPr>
+          </a:p>
+        </p:txBody>
+      </p:sp>
+      <p:pic>
+        <p:nvPicPr>
+          <p:cNvPr id="12" name="Picture 11">
+            <a:extLst>
+              <a:ext uri="{FF2B5EF4-FFF2-40B4-BE49-F238E27FC236}">
+                <a16:creationId xmlns:a16="http://schemas.microsoft.com/office/drawing/2014/main" id="{7BB94C57-FDF3-45A3-9D1F-904523D795D4}"/>
+              </a:ext>
+              <a:ext uri="{C183D7F6-B498-43B3-948B-1728B52AA6E4}">
+                <adec:decorative xmlns:adec="http://schemas.microsoft.com/office/drawing/2017/decorative" val="1"/>
+              </a:ext>
+            </a:extLst>
+          </p:cNvPr>
+          <p:cNvPicPr>
+            <a:picLocks noGrp="1" noRot="1" noChangeAspect="1" noMove="1" noResize="1" noEditPoints="1" noAdjustHandles="1" noChangeArrowheads="1" noChangeShapeType="1" noCrop="1"/>
+          </p:cNvPicPr>
+          <p:nvPr>
+            <p:extLst>
+              <p:ext uri="{386F3935-93C4-4BCD-93E2-E3B085C9AB24}">
+                <p16:designElem xmlns:p16="http://schemas.microsoft.com/office/powerpoint/2015/main" val="1"/>
+              </p:ext>
+            </p:extLst>
+          </p:nvPr>
+        </p:nvPicPr>
+        <p:blipFill rotWithShape="1">
+          <a:blip r:embed="rId2">
+            <a:extLst>
+              <a:ext uri="{28A0092B-C50C-407E-A947-70E740481C1C}">
+                <a14:useLocalDpi xmlns:a14="http://schemas.microsoft.com/office/drawing/2010/main" val="0"/>
+              </a:ext>
+            </a:extLst>
+          </a:blip>
+          <a:srcRect r="66700" b="77917"/>
+          <a:stretch/>
+        </p:blipFill>
+        <p:spPr>
+          <a:xfrm>
+            <a:off x="0" y="0"/>
+            <a:ext cx="4059935" cy="1514475"/>
+          </a:xfrm>
+          <a:prstGeom prst="rect">
+            <a:avLst/>
+          </a:prstGeom>
+        </p:spPr>
+      </p:pic>
       <p:sp>
         <p:nvSpPr>
           <p:cNvPr id="3" name="Content Placeholder 2">
@@ -7329,18 +9071,26 @@
             <p:ph sz="quarter" idx="13"/>
           </p:nvPr>
         </p:nvSpPr>
-        <p:spPr/>
-        <p:txBody>
-          <a:bodyPr/>
+        <p:spPr>
+          <a:xfrm>
+            <a:off x="4634794" y="1049695"/>
+            <a:ext cx="6642806" cy="4758611"/>
+          </a:xfrm>
+        </p:spPr>
+        <p:txBody>
+          <a:bodyPr anchor="ctr">
+            <a:normAutofit/>
+          </a:bodyPr>
           <a:lstStyle/>
           <a:p>
-            <a:pPr marL="0" indent="0" algn="just">
+            <a:pPr marL="0" indent="0">
               <a:buNone/>
             </a:pPr>
             <a:r>
               <a:rPr lang="en-US" dirty="0"/>
               <a:t>	Weather information considered important in many fields such as Aviation, Agriculture, Municipalities and many others. We need water for many reasons and weather controls the distribution of rain water on earth. The aim of this study is to analysis the correlation of the weather information and build model that help to predict rain Phenomena in Saudi Arabia. </a:t>
             </a:r>
+            <a:endParaRPr lang="en-US"/>
           </a:p>
           <a:p>
             <a:endParaRPr lang="en-US" dirty="0"/>
@@ -7350,6 +9100,50 @@
           </a:p>
         </p:txBody>
       </p:sp>
+      <p:pic>
+        <p:nvPicPr>
+          <p:cNvPr id="14" name="Picture 13">
+            <a:extLst>
+              <a:ext uri="{FF2B5EF4-FFF2-40B4-BE49-F238E27FC236}">
+                <a16:creationId xmlns:a16="http://schemas.microsoft.com/office/drawing/2014/main" id="{6AEBDF1A-221A-4497-BBA9-57A70D161510}"/>
+              </a:ext>
+              <a:ext uri="{C183D7F6-B498-43B3-948B-1728B52AA6E4}">
+                <adec:decorative xmlns:adec="http://schemas.microsoft.com/office/drawing/2017/decorative" val="1"/>
+              </a:ext>
+            </a:extLst>
+          </p:cNvPr>
+          <p:cNvPicPr>
+            <a:picLocks noGrp="1" noRot="1" noChangeAspect="1" noMove="1" noResize="1" noEditPoints="1" noAdjustHandles="1" noChangeArrowheads="1" noChangeShapeType="1" noCrop="1"/>
+          </p:cNvPicPr>
+          <p:nvPr>
+            <p:extLst>
+              <p:ext uri="{386F3935-93C4-4BCD-93E2-E3B085C9AB24}">
+                <p16:designElem xmlns:p16="http://schemas.microsoft.com/office/powerpoint/2015/main" val="1"/>
+              </p:ext>
+            </p:extLst>
+          </p:nvPr>
+        </p:nvPicPr>
+        <p:blipFill rotWithShape="1">
+          <a:blip r:embed="rId3">
+            <a:extLst>
+              <a:ext uri="{28A0092B-C50C-407E-A947-70E740481C1C}">
+                <a14:useLocalDpi xmlns:a14="http://schemas.microsoft.com/office/drawing/2010/main" val="0"/>
+              </a:ext>
+            </a:extLst>
+          </a:blip>
+          <a:srcRect l="78750" t="72830" b="14149"/>
+          <a:stretch/>
+        </p:blipFill>
+        <p:spPr>
+          <a:xfrm>
+            <a:off x="1377059" y="5962903"/>
+            <a:ext cx="2590800" cy="892925"/>
+          </a:xfrm>
+          <a:prstGeom prst="rect">
+            <a:avLst/>
+          </a:prstGeom>
+        </p:spPr>
+      </p:pic>
     </p:spTree>
     <p:extLst>
       <p:ext uri="{BB962C8B-B14F-4D97-AF65-F5344CB8AC3E}">
@@ -7366,6 +9160,32 @@
 <file path=ppt/slides/slide3.xml><?xml version="1.0" encoding="utf-8"?>
 <p:sld xmlns:a="http://schemas.openxmlformats.org/drawingml/2006/main" xmlns:r="http://schemas.openxmlformats.org/officeDocument/2006/relationships" xmlns:p="http://schemas.openxmlformats.org/presentationml/2006/main">
   <p:cSld>
+    <p:bg>
+      <p:bgPr>
+        <a:gradFill rotWithShape="1">
+          <a:gsLst>
+            <a:gs pos="0">
+              <a:schemeClr val="bg1">
+                <a:tint val="84000"/>
+                <a:shade val="100000"/>
+                <a:hueMod val="130000"/>
+                <a:satMod val="150000"/>
+                <a:lumMod val="112000"/>
+              </a:schemeClr>
+            </a:gs>
+            <a:gs pos="100000">
+              <a:schemeClr val="bg1">
+                <a:shade val="92000"/>
+                <a:satMod val="140000"/>
+                <a:lumMod val="110000"/>
+              </a:schemeClr>
+            </a:gs>
+          </a:gsLst>
+          <a:lin ang="5400000" scaled="0"/>
+        </a:gradFill>
+        <a:effectLst/>
+      </p:bgPr>
+    </p:bg>
     <p:spTree>
       <p:nvGrpSpPr>
         <p:cNvPr id="1" name=""/>
@@ -7380,6 +9200,138 @@
           <a:chExt cx="0" cy="0"/>
         </a:xfrm>
       </p:grpSpPr>
+      <p:sp useBgFill="1">
+        <p:nvSpPr>
+          <p:cNvPr id="8" name="Rectangle 7">
+            <a:extLst>
+              <a:ext uri="{FF2B5EF4-FFF2-40B4-BE49-F238E27FC236}">
+                <a16:creationId xmlns:a16="http://schemas.microsoft.com/office/drawing/2014/main" id="{3A9C15D4-2EE7-4D05-B87C-91D1F3B9604B}"/>
+              </a:ext>
+              <a:ext uri="{C183D7F6-B498-43B3-948B-1728B52AA6E4}">
+                <adec:decorative xmlns:adec="http://schemas.microsoft.com/office/drawing/2017/decorative" val="1"/>
+              </a:ext>
+            </a:extLst>
+          </p:cNvPr>
+          <p:cNvSpPr>
+            <a:spLocks noGrp="1" noRot="1" noChangeAspect="1" noMove="1" noResize="1" noEditPoints="1" noAdjustHandles="1" noChangeArrowheads="1" noChangeShapeType="1" noTextEdit="1"/>
+          </p:cNvSpPr>
+          <p:nvPr>
+            <p:extLst>
+              <p:ext uri="{386F3935-93C4-4BCD-93E2-E3B085C9AB24}">
+                <p16:designElem xmlns:p16="http://schemas.microsoft.com/office/powerpoint/2015/main" val="1"/>
+              </p:ext>
+            </p:extLst>
+          </p:nvPr>
+        </p:nvSpPr>
+        <p:spPr>
+          <a:xfrm>
+            <a:off x="4059935" y="0"/>
+            <a:ext cx="8132065" cy="6858000"/>
+          </a:xfrm>
+          <a:prstGeom prst="rect">
+            <a:avLst/>
+          </a:prstGeom>
+          <a:ln>
+            <a:noFill/>
+          </a:ln>
+        </p:spPr>
+        <p:style>
+          <a:lnRef idx="2">
+            <a:schemeClr val="accent1">
+              <a:shade val="50000"/>
+            </a:schemeClr>
+          </a:lnRef>
+          <a:fillRef idx="1">
+            <a:schemeClr val="accent1"/>
+          </a:fillRef>
+          <a:effectRef idx="0">
+            <a:schemeClr val="accent1"/>
+          </a:effectRef>
+          <a:fontRef idx="minor">
+            <a:schemeClr val="lt1"/>
+          </a:fontRef>
+        </p:style>
+        <p:txBody>
+          <a:bodyPr rtlCol="0" anchor="ctr"/>
+          <a:lstStyle/>
+          <a:p>
+            <a:pPr algn="ctr"/>
+            <a:endParaRPr lang="en-US"/>
+          </a:p>
+        </p:txBody>
+      </p:sp>
+      <p:sp>
+        <p:nvSpPr>
+          <p:cNvPr id="10" name="Rectangle 9">
+            <a:extLst>
+              <a:ext uri="{FF2B5EF4-FFF2-40B4-BE49-F238E27FC236}">
+                <a16:creationId xmlns:a16="http://schemas.microsoft.com/office/drawing/2014/main" id="{4ED7B0FB-9654-4441-9545-02D458B68620}"/>
+              </a:ext>
+              <a:ext uri="{C183D7F6-B498-43B3-948B-1728B52AA6E4}">
+                <adec:decorative xmlns:adec="http://schemas.microsoft.com/office/drawing/2017/decorative" val="1"/>
+              </a:ext>
+            </a:extLst>
+          </p:cNvPr>
+          <p:cNvSpPr>
+            <a:spLocks noGrp="1" noRot="1" noChangeAspect="1" noMove="1" noResize="1" noEditPoints="1" noAdjustHandles="1" noChangeArrowheads="1" noChangeShapeType="1" noTextEdit="1"/>
+          </p:cNvSpPr>
+          <p:nvPr>
+            <p:extLst>
+              <p:ext uri="{386F3935-93C4-4BCD-93E2-E3B085C9AB24}">
+                <p16:designElem xmlns:p16="http://schemas.microsoft.com/office/powerpoint/2015/main" val="1"/>
+              </p:ext>
+            </p:extLst>
+          </p:nvPr>
+        </p:nvSpPr>
+        <p:spPr>
+          <a:xfrm>
+            <a:off x="0" y="0"/>
+            <a:ext cx="4059935" cy="6858000"/>
+          </a:xfrm>
+          <a:prstGeom prst="rect">
+            <a:avLst/>
+          </a:prstGeom>
+          <a:solidFill>
+            <a:schemeClr val="accent1">
+              <a:lumMod val="75000"/>
+            </a:schemeClr>
+          </a:solidFill>
+          <a:ln>
+            <a:noFill/>
+          </a:ln>
+          <a:effectLst>
+            <a:outerShdw blurRad="50800" dist="12700" algn="l" rotWithShape="0">
+              <a:prstClr val="black">
+                <a:alpha val="30000"/>
+              </a:prstClr>
+            </a:outerShdw>
+          </a:effectLst>
+        </p:spPr>
+        <p:style>
+          <a:lnRef idx="2">
+            <a:schemeClr val="accent1">
+              <a:shade val="50000"/>
+            </a:schemeClr>
+          </a:lnRef>
+          <a:fillRef idx="1002">
+            <a:schemeClr val="lt1"/>
+          </a:fillRef>
+          <a:effectRef idx="0">
+            <a:schemeClr val="accent1"/>
+          </a:effectRef>
+          <a:fontRef idx="minor">
+            <a:schemeClr val="lt1"/>
+          </a:fontRef>
+        </p:style>
+        <p:txBody>
+          <a:bodyPr rtlCol="0" anchor="ctr"/>
+          <a:lstStyle/>
+          <a:p>
+            <a:pPr algn="ctr"/>
+            <a:endParaRPr lang="en-US"/>
+          </a:p>
+        </p:txBody>
+      </p:sp>
       <p:sp>
         <p:nvSpPr>
           <p:cNvPr id="2" name="Title 1">
@@ -7396,18 +9348,74 @@
             <p:ph type="title"/>
           </p:nvPr>
         </p:nvSpPr>
-        <p:spPr/>
-        <p:txBody>
-          <a:bodyPr/>
+        <p:spPr>
+          <a:xfrm>
+            <a:off x="641074" y="1588878"/>
+            <a:ext cx="2844002" cy="3680244"/>
+          </a:xfrm>
+        </p:spPr>
+        <p:txBody>
+          <a:bodyPr>
+            <a:normAutofit/>
+          </a:bodyPr>
           <a:lstStyle/>
           <a:p>
-            <a:r>
-              <a:rPr lang="en-SA" dirty="0"/>
+            <a:pPr algn="l"/>
+            <a:r>
+              <a:rPr lang="en-SA" sz="3700">
+                <a:solidFill>
+                  <a:srgbClr val="FFFFFF"/>
+                </a:solidFill>
+              </a:rPr>
               <a:t>Using Machine learning algorithms</a:t>
             </a:r>
           </a:p>
         </p:txBody>
       </p:sp>
+      <p:pic>
+        <p:nvPicPr>
+          <p:cNvPr id="12" name="Picture 11">
+            <a:extLst>
+              <a:ext uri="{FF2B5EF4-FFF2-40B4-BE49-F238E27FC236}">
+                <a16:creationId xmlns:a16="http://schemas.microsoft.com/office/drawing/2014/main" id="{7BB94C57-FDF3-45A3-9D1F-904523D795D4}"/>
+              </a:ext>
+              <a:ext uri="{C183D7F6-B498-43B3-948B-1728B52AA6E4}">
+                <adec:decorative xmlns:adec="http://schemas.microsoft.com/office/drawing/2017/decorative" val="1"/>
+              </a:ext>
+            </a:extLst>
+          </p:cNvPr>
+          <p:cNvPicPr>
+            <a:picLocks noGrp="1" noRot="1" noChangeAspect="1" noMove="1" noResize="1" noEditPoints="1" noAdjustHandles="1" noChangeArrowheads="1" noChangeShapeType="1" noCrop="1"/>
+          </p:cNvPicPr>
+          <p:nvPr>
+            <p:extLst>
+              <p:ext uri="{386F3935-93C4-4BCD-93E2-E3B085C9AB24}">
+                <p16:designElem xmlns:p16="http://schemas.microsoft.com/office/powerpoint/2015/main" val="1"/>
+              </p:ext>
+            </p:extLst>
+          </p:nvPr>
+        </p:nvPicPr>
+        <p:blipFill rotWithShape="1">
+          <a:blip r:embed="rId2">
+            <a:extLst>
+              <a:ext uri="{28A0092B-C50C-407E-A947-70E740481C1C}">
+                <a14:useLocalDpi xmlns:a14="http://schemas.microsoft.com/office/drawing/2010/main" val="0"/>
+              </a:ext>
+            </a:extLst>
+          </a:blip>
+          <a:srcRect r="66700" b="77917"/>
+          <a:stretch/>
+        </p:blipFill>
+        <p:spPr>
+          <a:xfrm>
+            <a:off x="0" y="0"/>
+            <a:ext cx="4059935" cy="1514475"/>
+          </a:xfrm>
+          <a:prstGeom prst="rect">
+            <a:avLst/>
+          </a:prstGeom>
+        </p:spPr>
+      </p:pic>
       <p:sp>
         <p:nvSpPr>
           <p:cNvPr id="3" name="Content Placeholder 2">
@@ -7424,12 +9432,22 @@
             <p:ph sz="quarter" idx="13"/>
           </p:nvPr>
         </p:nvSpPr>
-        <p:spPr/>
-        <p:txBody>
-          <a:bodyPr/>
+        <p:spPr>
+          <a:xfrm>
+            <a:off x="4634794" y="1049695"/>
+            <a:ext cx="6642806" cy="4758611"/>
+          </a:xfrm>
+        </p:spPr>
+        <p:txBody>
+          <a:bodyPr anchor="ctr">
+            <a:normAutofit/>
+          </a:bodyPr>
           <a:lstStyle/>
           <a:p>
-            <a:pPr marL="0" indent="0" algn="just">
+            <a:pPr marL="0" indent="0">
+              <a:lnSpc>
+                <a:spcPct val="110000"/>
+              </a:lnSpc>
               <a:buNone/>
             </a:pPr>
             <a:r>
@@ -7446,7 +9464,7 @@
             </a:r>
             <a:r>
               <a:rPr lang="en-US" dirty="0">
-                <a:hlinkClick r:id="rId2"/>
+                <a:hlinkClick r:id="rId3"/>
               </a:rPr>
               <a:t>https://www.kaggle.com/esraamadi/saudi-arabia-weather-historY</a:t>
             </a:r>
@@ -7454,10 +9472,54 @@
               <a:rPr lang="en-US" dirty="0"/>
               <a:t>  website with title "Saudi Arabia Weather History".</a:t>
             </a:r>
-            <a:endParaRPr lang="en-SA" dirty="0"/>
-          </a:p>
-        </p:txBody>
-      </p:sp>
+            <a:endParaRPr lang="en-SA"/>
+          </a:p>
+        </p:txBody>
+      </p:sp>
+      <p:pic>
+        <p:nvPicPr>
+          <p:cNvPr id="14" name="Picture 13">
+            <a:extLst>
+              <a:ext uri="{FF2B5EF4-FFF2-40B4-BE49-F238E27FC236}">
+                <a16:creationId xmlns:a16="http://schemas.microsoft.com/office/drawing/2014/main" id="{6AEBDF1A-221A-4497-BBA9-57A70D161510}"/>
+              </a:ext>
+              <a:ext uri="{C183D7F6-B498-43B3-948B-1728B52AA6E4}">
+                <adec:decorative xmlns:adec="http://schemas.microsoft.com/office/drawing/2017/decorative" val="1"/>
+              </a:ext>
+            </a:extLst>
+          </p:cNvPr>
+          <p:cNvPicPr>
+            <a:picLocks noGrp="1" noRot="1" noChangeAspect="1" noMove="1" noResize="1" noEditPoints="1" noAdjustHandles="1" noChangeArrowheads="1" noChangeShapeType="1" noCrop="1"/>
+          </p:cNvPicPr>
+          <p:nvPr>
+            <p:extLst>
+              <p:ext uri="{386F3935-93C4-4BCD-93E2-E3B085C9AB24}">
+                <p16:designElem xmlns:p16="http://schemas.microsoft.com/office/powerpoint/2015/main" val="1"/>
+              </p:ext>
+            </p:extLst>
+          </p:nvPr>
+        </p:nvPicPr>
+        <p:blipFill rotWithShape="1">
+          <a:blip r:embed="rId4">
+            <a:extLst>
+              <a:ext uri="{28A0092B-C50C-407E-A947-70E740481C1C}">
+                <a14:useLocalDpi xmlns:a14="http://schemas.microsoft.com/office/drawing/2010/main" val="0"/>
+              </a:ext>
+            </a:extLst>
+          </a:blip>
+          <a:srcRect l="78750" t="72830" b="14149"/>
+          <a:stretch/>
+        </p:blipFill>
+        <p:spPr>
+          <a:xfrm>
+            <a:off x="1377059" y="5962903"/>
+            <a:ext cx="2590800" cy="892925"/>
+          </a:xfrm>
+          <a:prstGeom prst="rect">
+            <a:avLst/>
+          </a:prstGeom>
+        </p:spPr>
+      </p:pic>
     </p:spTree>
     <p:extLst>
       <p:ext uri="{BB962C8B-B14F-4D97-AF65-F5344CB8AC3E}">
@@ -7474,6 +9536,32 @@
 <file path=ppt/slides/slide4.xml><?xml version="1.0" encoding="utf-8"?>
 <p:sld xmlns:a="http://schemas.openxmlformats.org/drawingml/2006/main" xmlns:r="http://schemas.openxmlformats.org/officeDocument/2006/relationships" xmlns:p="http://schemas.openxmlformats.org/presentationml/2006/main">
   <p:cSld>
+    <p:bg>
+      <p:bgPr>
+        <a:gradFill rotWithShape="1">
+          <a:gsLst>
+            <a:gs pos="0">
+              <a:schemeClr val="bg1">
+                <a:tint val="84000"/>
+                <a:shade val="100000"/>
+                <a:hueMod val="130000"/>
+                <a:satMod val="150000"/>
+                <a:lumMod val="112000"/>
+              </a:schemeClr>
+            </a:gs>
+            <a:gs pos="100000">
+              <a:schemeClr val="bg1">
+                <a:shade val="92000"/>
+                <a:satMod val="140000"/>
+                <a:lumMod val="110000"/>
+              </a:schemeClr>
+            </a:gs>
+          </a:gsLst>
+          <a:lin ang="5400000" scaled="0"/>
+        </a:gradFill>
+        <a:effectLst/>
+      </p:bgPr>
+    </p:bg>
     <p:spTree>
       <p:nvGrpSpPr>
         <p:cNvPr id="1" name=""/>
@@ -7488,6 +9576,138 @@
           <a:chExt cx="0" cy="0"/>
         </a:xfrm>
       </p:grpSpPr>
+      <p:sp useBgFill="1">
+        <p:nvSpPr>
+          <p:cNvPr id="8" name="Rectangle 7">
+            <a:extLst>
+              <a:ext uri="{FF2B5EF4-FFF2-40B4-BE49-F238E27FC236}">
+                <a16:creationId xmlns:a16="http://schemas.microsoft.com/office/drawing/2014/main" id="{3A9C15D4-2EE7-4D05-B87C-91D1F3B9604B}"/>
+              </a:ext>
+              <a:ext uri="{C183D7F6-B498-43B3-948B-1728B52AA6E4}">
+                <adec:decorative xmlns:adec="http://schemas.microsoft.com/office/drawing/2017/decorative" val="1"/>
+              </a:ext>
+            </a:extLst>
+          </p:cNvPr>
+          <p:cNvSpPr>
+            <a:spLocks noGrp="1" noRot="1" noChangeAspect="1" noMove="1" noResize="1" noEditPoints="1" noAdjustHandles="1" noChangeArrowheads="1" noChangeShapeType="1" noTextEdit="1"/>
+          </p:cNvSpPr>
+          <p:nvPr>
+            <p:extLst>
+              <p:ext uri="{386F3935-93C4-4BCD-93E2-E3B085C9AB24}">
+                <p16:designElem xmlns:p16="http://schemas.microsoft.com/office/powerpoint/2015/main" val="1"/>
+              </p:ext>
+            </p:extLst>
+          </p:nvPr>
+        </p:nvSpPr>
+        <p:spPr>
+          <a:xfrm>
+            <a:off x="4059935" y="0"/>
+            <a:ext cx="8132065" cy="6858000"/>
+          </a:xfrm>
+          <a:prstGeom prst="rect">
+            <a:avLst/>
+          </a:prstGeom>
+          <a:ln>
+            <a:noFill/>
+          </a:ln>
+        </p:spPr>
+        <p:style>
+          <a:lnRef idx="2">
+            <a:schemeClr val="accent1">
+              <a:shade val="50000"/>
+            </a:schemeClr>
+          </a:lnRef>
+          <a:fillRef idx="1">
+            <a:schemeClr val="accent1"/>
+          </a:fillRef>
+          <a:effectRef idx="0">
+            <a:schemeClr val="accent1"/>
+          </a:effectRef>
+          <a:fontRef idx="minor">
+            <a:schemeClr val="lt1"/>
+          </a:fontRef>
+        </p:style>
+        <p:txBody>
+          <a:bodyPr rtlCol="0" anchor="ctr"/>
+          <a:lstStyle/>
+          <a:p>
+            <a:pPr algn="ctr"/>
+            <a:endParaRPr lang="en-US"/>
+          </a:p>
+        </p:txBody>
+      </p:sp>
+      <p:sp>
+        <p:nvSpPr>
+          <p:cNvPr id="10" name="Rectangle 9">
+            <a:extLst>
+              <a:ext uri="{FF2B5EF4-FFF2-40B4-BE49-F238E27FC236}">
+                <a16:creationId xmlns:a16="http://schemas.microsoft.com/office/drawing/2014/main" id="{4ED7B0FB-9654-4441-9545-02D458B68620}"/>
+              </a:ext>
+              <a:ext uri="{C183D7F6-B498-43B3-948B-1728B52AA6E4}">
+                <adec:decorative xmlns:adec="http://schemas.microsoft.com/office/drawing/2017/decorative" val="1"/>
+              </a:ext>
+            </a:extLst>
+          </p:cNvPr>
+          <p:cNvSpPr>
+            <a:spLocks noGrp="1" noRot="1" noChangeAspect="1" noMove="1" noResize="1" noEditPoints="1" noAdjustHandles="1" noChangeArrowheads="1" noChangeShapeType="1" noTextEdit="1"/>
+          </p:cNvSpPr>
+          <p:nvPr>
+            <p:extLst>
+              <p:ext uri="{386F3935-93C4-4BCD-93E2-E3B085C9AB24}">
+                <p16:designElem xmlns:p16="http://schemas.microsoft.com/office/powerpoint/2015/main" val="1"/>
+              </p:ext>
+            </p:extLst>
+          </p:nvPr>
+        </p:nvSpPr>
+        <p:spPr>
+          <a:xfrm>
+            <a:off x="0" y="0"/>
+            <a:ext cx="4059935" cy="6858000"/>
+          </a:xfrm>
+          <a:prstGeom prst="rect">
+            <a:avLst/>
+          </a:prstGeom>
+          <a:solidFill>
+            <a:schemeClr val="accent1">
+              <a:lumMod val="75000"/>
+            </a:schemeClr>
+          </a:solidFill>
+          <a:ln>
+            <a:noFill/>
+          </a:ln>
+          <a:effectLst>
+            <a:outerShdw blurRad="50800" dist="12700" algn="l" rotWithShape="0">
+              <a:prstClr val="black">
+                <a:alpha val="30000"/>
+              </a:prstClr>
+            </a:outerShdw>
+          </a:effectLst>
+        </p:spPr>
+        <p:style>
+          <a:lnRef idx="2">
+            <a:schemeClr val="accent1">
+              <a:shade val="50000"/>
+            </a:schemeClr>
+          </a:lnRef>
+          <a:fillRef idx="1002">
+            <a:schemeClr val="lt1"/>
+          </a:fillRef>
+          <a:effectRef idx="0">
+            <a:schemeClr val="accent1"/>
+          </a:effectRef>
+          <a:fontRef idx="minor">
+            <a:schemeClr val="lt1"/>
+          </a:fontRef>
+        </p:style>
+        <p:txBody>
+          <a:bodyPr rtlCol="0" anchor="ctr"/>
+          <a:lstStyle/>
+          <a:p>
+            <a:pPr algn="ctr"/>
+            <a:endParaRPr lang="en-US"/>
+          </a:p>
+        </p:txBody>
+      </p:sp>
       <p:sp>
         <p:nvSpPr>
           <p:cNvPr id="2" name="Title 1">
@@ -7504,18 +9724,74 @@
             <p:ph type="title"/>
           </p:nvPr>
         </p:nvSpPr>
-        <p:spPr/>
-        <p:txBody>
-          <a:bodyPr/>
+        <p:spPr>
+          <a:xfrm>
+            <a:off x="641074" y="1588878"/>
+            <a:ext cx="2844002" cy="3680244"/>
+          </a:xfrm>
+        </p:spPr>
+        <p:txBody>
+          <a:bodyPr>
+            <a:normAutofit/>
+          </a:bodyPr>
           <a:lstStyle/>
           <a:p>
-            <a:r>
-              <a:rPr lang="en-SA" dirty="0"/>
+            <a:pPr algn="l"/>
+            <a:r>
+              <a:rPr lang="en-SA" sz="3700">
+                <a:solidFill>
+                  <a:srgbClr val="FFFFFF"/>
+                </a:solidFill>
+              </a:rPr>
               <a:t>Data pre-processing</a:t>
             </a:r>
           </a:p>
         </p:txBody>
       </p:sp>
+      <p:pic>
+        <p:nvPicPr>
+          <p:cNvPr id="12" name="Picture 11">
+            <a:extLst>
+              <a:ext uri="{FF2B5EF4-FFF2-40B4-BE49-F238E27FC236}">
+                <a16:creationId xmlns:a16="http://schemas.microsoft.com/office/drawing/2014/main" id="{7BB94C57-FDF3-45A3-9D1F-904523D795D4}"/>
+              </a:ext>
+              <a:ext uri="{C183D7F6-B498-43B3-948B-1728B52AA6E4}">
+                <adec:decorative xmlns:adec="http://schemas.microsoft.com/office/drawing/2017/decorative" val="1"/>
+              </a:ext>
+            </a:extLst>
+          </p:cNvPr>
+          <p:cNvPicPr>
+            <a:picLocks noGrp="1" noRot="1" noChangeAspect="1" noMove="1" noResize="1" noEditPoints="1" noAdjustHandles="1" noChangeArrowheads="1" noChangeShapeType="1" noCrop="1"/>
+          </p:cNvPicPr>
+          <p:nvPr>
+            <p:extLst>
+              <p:ext uri="{386F3935-93C4-4BCD-93E2-E3B085C9AB24}">
+                <p16:designElem xmlns:p16="http://schemas.microsoft.com/office/powerpoint/2015/main" val="1"/>
+              </p:ext>
+            </p:extLst>
+          </p:nvPr>
+        </p:nvPicPr>
+        <p:blipFill rotWithShape="1">
+          <a:blip r:embed="rId2">
+            <a:extLst>
+              <a:ext uri="{28A0092B-C50C-407E-A947-70E740481C1C}">
+                <a14:useLocalDpi xmlns:a14="http://schemas.microsoft.com/office/drawing/2010/main" val="0"/>
+              </a:ext>
+            </a:extLst>
+          </a:blip>
+          <a:srcRect r="66700" b="77917"/>
+          <a:stretch/>
+        </p:blipFill>
+        <p:spPr>
+          <a:xfrm>
+            <a:off x="0" y="0"/>
+            <a:ext cx="4059935" cy="1514475"/>
+          </a:xfrm>
+          <a:prstGeom prst="rect">
+            <a:avLst/>
+          </a:prstGeom>
+        </p:spPr>
+      </p:pic>
       <p:sp>
         <p:nvSpPr>
           <p:cNvPr id="3" name="Content Placeholder 2">
@@ -7532,9 +9808,16 @@
             <p:ph sz="quarter" idx="13"/>
           </p:nvPr>
         </p:nvSpPr>
-        <p:spPr/>
-        <p:txBody>
-          <a:bodyPr/>
+        <p:spPr>
+          <a:xfrm>
+            <a:off x="4634794" y="1049695"/>
+            <a:ext cx="6642806" cy="4758611"/>
+          </a:xfrm>
+        </p:spPr>
+        <p:txBody>
+          <a:bodyPr anchor="ctr">
+            <a:normAutofit/>
+          </a:bodyPr>
           <a:lstStyle/>
           <a:p>
             <a:r>
@@ -7574,6 +9857,50 @@
           </a:p>
         </p:txBody>
       </p:sp>
+      <p:pic>
+        <p:nvPicPr>
+          <p:cNvPr id="14" name="Picture 13">
+            <a:extLst>
+              <a:ext uri="{FF2B5EF4-FFF2-40B4-BE49-F238E27FC236}">
+                <a16:creationId xmlns:a16="http://schemas.microsoft.com/office/drawing/2014/main" id="{6AEBDF1A-221A-4497-BBA9-57A70D161510}"/>
+              </a:ext>
+              <a:ext uri="{C183D7F6-B498-43B3-948B-1728B52AA6E4}">
+                <adec:decorative xmlns:adec="http://schemas.microsoft.com/office/drawing/2017/decorative" val="1"/>
+              </a:ext>
+            </a:extLst>
+          </p:cNvPr>
+          <p:cNvPicPr>
+            <a:picLocks noGrp="1" noRot="1" noChangeAspect="1" noMove="1" noResize="1" noEditPoints="1" noAdjustHandles="1" noChangeArrowheads="1" noChangeShapeType="1" noCrop="1"/>
+          </p:cNvPicPr>
+          <p:nvPr>
+            <p:extLst>
+              <p:ext uri="{386F3935-93C4-4BCD-93E2-E3B085C9AB24}">
+                <p16:designElem xmlns:p16="http://schemas.microsoft.com/office/powerpoint/2015/main" val="1"/>
+              </p:ext>
+            </p:extLst>
+          </p:nvPr>
+        </p:nvPicPr>
+        <p:blipFill rotWithShape="1">
+          <a:blip r:embed="rId3">
+            <a:extLst>
+              <a:ext uri="{28A0092B-C50C-407E-A947-70E740481C1C}">
+                <a14:useLocalDpi xmlns:a14="http://schemas.microsoft.com/office/drawing/2010/main" val="0"/>
+              </a:ext>
+            </a:extLst>
+          </a:blip>
+          <a:srcRect l="78750" t="72830" b="14149"/>
+          <a:stretch/>
+        </p:blipFill>
+        <p:spPr>
+          <a:xfrm>
+            <a:off x="1377059" y="5962903"/>
+            <a:ext cx="2590800" cy="892925"/>
+          </a:xfrm>
+          <a:prstGeom prst="rect">
+            <a:avLst/>
+          </a:prstGeom>
+        </p:spPr>
+      </p:pic>
     </p:spTree>
     <p:extLst>
       <p:ext uri="{BB962C8B-B14F-4D97-AF65-F5344CB8AC3E}">
@@ -8166,7 +10493,12 @@
             <p:ph type="title"/>
           </p:nvPr>
         </p:nvSpPr>
-        <p:spPr/>
+        <p:spPr>
+          <a:xfrm>
+            <a:off x="1015375" y="-188686"/>
+            <a:ext cx="10364451" cy="1285780"/>
+          </a:xfrm>
+        </p:spPr>
         <p:txBody>
           <a:bodyPr/>
           <a:lstStyle/>
@@ -8201,8 +10533,8 @@
         </p:blipFill>
         <p:spPr>
           <a:xfrm>
-            <a:off x="1735913" y="1686451"/>
-            <a:ext cx="8453116" cy="4830463"/>
+            <a:off x="1811384" y="879380"/>
+            <a:ext cx="8569231" cy="5419820"/>
           </a:xfrm>
           <a:prstGeom prst="rect">
             <a:avLst/>
@@ -8239,35 +10571,6 @@
           <a:chExt cx="0" cy="0"/>
         </a:xfrm>
       </p:grpSpPr>
-      <p:sp>
-        <p:nvSpPr>
-          <p:cNvPr id="2" name="Title 1">
-            <a:extLst>
-              <a:ext uri="{FF2B5EF4-FFF2-40B4-BE49-F238E27FC236}">
-                <a16:creationId xmlns:a16="http://schemas.microsoft.com/office/drawing/2014/main" id="{6D764074-62E7-494B-AE8E-B329B4ADEA28}"/>
-              </a:ext>
-            </a:extLst>
-          </p:cNvPr>
-          <p:cNvSpPr>
-            <a:spLocks noGrp="1"/>
-          </p:cNvSpPr>
-          <p:nvPr>
-            <p:ph type="title"/>
-          </p:nvPr>
-        </p:nvSpPr>
-        <p:spPr/>
-        <p:txBody>
-          <a:bodyPr/>
-          <a:lstStyle/>
-          <a:p>
-            <a:r>
-              <a:rPr lang="en-US" dirty="0"/>
-              <a:t>Exploratory data analysis (EDA)</a:t>
-            </a:r>
-            <a:endParaRPr lang="en-SA" dirty="0"/>
-          </a:p>
-        </p:txBody>
-      </p:sp>
       <p:pic>
         <p:nvPicPr>
           <p:cNvPr id="8" name="Content Placeholder 7">
@@ -8292,11 +10595,67 @@
         </p:blipFill>
         <p:spPr>
           <a:xfrm>
-            <a:off x="1687609" y="1793779"/>
-            <a:ext cx="8544411" cy="4740555"/>
+            <a:off x="1015375" y="798286"/>
+            <a:ext cx="10050928" cy="5576391"/>
           </a:xfrm>
         </p:spPr>
       </p:pic>
+      <p:sp>
+        <p:nvSpPr>
+          <p:cNvPr id="6" name="Title 1">
+            <a:extLst>
+              <a:ext uri="{FF2B5EF4-FFF2-40B4-BE49-F238E27FC236}">
+                <a16:creationId xmlns:a16="http://schemas.microsoft.com/office/drawing/2014/main" id="{E66D41ED-3657-DA44-A164-D9B358641F4F}"/>
+              </a:ext>
+            </a:extLst>
+          </p:cNvPr>
+          <p:cNvSpPr txBox="1">
+            <a:spLocks/>
+          </p:cNvSpPr>
+          <p:nvPr/>
+        </p:nvSpPr>
+        <p:spPr>
+          <a:xfrm>
+            <a:off x="1015375" y="-188686"/>
+            <a:ext cx="10364451" cy="1285780"/>
+          </a:xfrm>
+          <a:prstGeom prst="rect">
+            <a:avLst/>
+          </a:prstGeom>
+        </p:spPr>
+        <p:txBody>
+          <a:bodyPr vert="horz" lIns="91440" tIns="45720" rIns="91440" bIns="45720" rtlCol="0" anchor="ctr">
+            <a:normAutofit/>
+          </a:bodyPr>
+          <a:lstStyle>
+            <a:lvl1pPr algn="ctr" defTabSz="914400" rtl="0" eaLnBrk="1" latinLnBrk="0" hangingPunct="1">
+              <a:lnSpc>
+                <a:spcPct val="90000"/>
+              </a:lnSpc>
+              <a:spcBef>
+                <a:spcPct val="0"/>
+              </a:spcBef>
+              <a:buNone/>
+              <a:defRPr sz="3600" kern="1200" cap="all" baseline="0">
+                <a:solidFill>
+                  <a:schemeClr val="tx1"/>
+                </a:solidFill>
+                <a:effectLst/>
+                <a:latin typeface="+mj-lt"/>
+                <a:ea typeface="+mj-ea"/>
+                <a:cs typeface="+mj-cs"/>
+              </a:defRPr>
+            </a:lvl1pPr>
+          </a:lstStyle>
+          <a:p>
+            <a:r>
+              <a:rPr lang="en-US"/>
+              <a:t>Exploratory data analysis (EDA)</a:t>
+            </a:r>
+            <a:endParaRPr lang="en-SA" dirty="0"/>
+          </a:p>
+        </p:txBody>
+      </p:sp>
     </p:spTree>
     <p:extLst>
       <p:ext uri="{BB962C8B-B14F-4D97-AF65-F5344CB8AC3E}">
@@ -8327,35 +10686,6 @@
           <a:chExt cx="0" cy="0"/>
         </a:xfrm>
       </p:grpSpPr>
-      <p:sp>
-        <p:nvSpPr>
-          <p:cNvPr id="2" name="Title 1">
-            <a:extLst>
-              <a:ext uri="{FF2B5EF4-FFF2-40B4-BE49-F238E27FC236}">
-                <a16:creationId xmlns:a16="http://schemas.microsoft.com/office/drawing/2014/main" id="{14D80392-B148-9947-8799-2BA0B24AABC2}"/>
-              </a:ext>
-            </a:extLst>
-          </p:cNvPr>
-          <p:cNvSpPr>
-            <a:spLocks noGrp="1"/>
-          </p:cNvSpPr>
-          <p:nvPr>
-            <p:ph type="title"/>
-          </p:nvPr>
-        </p:nvSpPr>
-        <p:spPr/>
-        <p:txBody>
-          <a:bodyPr/>
-          <a:lstStyle/>
-          <a:p>
-            <a:r>
-              <a:rPr lang="en-US" dirty="0"/>
-              <a:t>Exploratory data analysis (EDA)</a:t>
-            </a:r>
-            <a:endParaRPr lang="en-SA" dirty="0"/>
-          </a:p>
-        </p:txBody>
-      </p:sp>
       <p:pic>
         <p:nvPicPr>
           <p:cNvPr id="5" name="Content Placeholder 4">
@@ -8380,11 +10710,45 @@
         </p:blipFill>
         <p:spPr>
           <a:xfrm>
-            <a:off x="2517265" y="1834971"/>
-            <a:ext cx="7157469" cy="4101371"/>
+            <a:off x="2017956" y="1092200"/>
+            <a:ext cx="8156087" cy="4673599"/>
           </a:xfrm>
         </p:spPr>
       </p:pic>
+      <p:sp>
+        <p:nvSpPr>
+          <p:cNvPr id="6" name="Title 1">
+            <a:extLst>
+              <a:ext uri="{FF2B5EF4-FFF2-40B4-BE49-F238E27FC236}">
+                <a16:creationId xmlns:a16="http://schemas.microsoft.com/office/drawing/2014/main" id="{E3EB3BA7-8DF2-D740-B1AC-C36BC95E448E}"/>
+              </a:ext>
+            </a:extLst>
+          </p:cNvPr>
+          <p:cNvSpPr>
+            <a:spLocks noGrp="1"/>
+          </p:cNvSpPr>
+          <p:nvPr>
+            <p:ph type="title"/>
+          </p:nvPr>
+        </p:nvSpPr>
+        <p:spPr>
+          <a:xfrm>
+            <a:off x="1015375" y="-188686"/>
+            <a:ext cx="10364451" cy="1285780"/>
+          </a:xfrm>
+        </p:spPr>
+        <p:txBody>
+          <a:bodyPr/>
+          <a:lstStyle/>
+          <a:p>
+            <a:r>
+              <a:rPr lang="en-US" dirty="0"/>
+              <a:t>Exploratory data analysis (EDA)</a:t>
+            </a:r>
+            <a:endParaRPr lang="en-SA" dirty="0"/>
+          </a:p>
+        </p:txBody>
+      </p:sp>
     </p:spTree>
     <p:extLst>
       <p:ext uri="{BB962C8B-B14F-4D97-AF65-F5344CB8AC3E}">

--- a/Final_project/Presentation.pptx
+++ b/Final_project/Presentation.pptx
@@ -8157,7 +8157,7 @@
         </p:spPr>
         <p:txBody>
           <a:bodyPr>
-            <a:normAutofit/>
+            <a:normAutofit lnSpcReduction="10000"/>
           </a:bodyPr>
           <a:lstStyle/>
           <a:p>
@@ -8167,7 +8167,7 @@
               </a:lnSpc>
             </a:pPr>
             <a:r>
-              <a:rPr lang="en-US" sz="1500"/>
+              <a:rPr lang="en-US" sz="1500" dirty="0"/>
               <a:t>I have cleaned up the dataset by replacing the missing values with mean per city.</a:t>
             </a:r>
           </a:p>
@@ -8178,7 +8178,7 @@
               </a:lnSpc>
             </a:pPr>
             <a:r>
-              <a:rPr lang="en-US" sz="1500"/>
+              <a:rPr lang="en-US" sz="1500" dirty="0"/>
               <a:t>Then, I have resolved  the outliers to the minimum and maximum values then I have balanced the data with SMOTE and the Feature Scaling is implemented.</a:t>
             </a:r>
           </a:p>
@@ -8189,7 +8189,7 @@
               </a:lnSpc>
             </a:pPr>
             <a:r>
-              <a:rPr lang="en-US" sz="1500"/>
+              <a:rPr lang="en-US" sz="1500" dirty="0"/>
               <a:t>Finally, I have Trained the training dataset with three models and got the accuracy, recall, precision and F1-score:</a:t>
             </a:r>
           </a:p>
@@ -8200,7 +8200,7 @@
               </a:lnSpc>
             </a:pPr>
             <a:r>
-              <a:rPr lang="en-US" sz="1500"/>
+              <a:rPr lang="en-US" sz="1500" dirty="0"/>
               <a:t>1- Logistic Regression.</a:t>
             </a:r>
           </a:p>
@@ -8211,7 +8211,7 @@
               </a:lnSpc>
             </a:pPr>
             <a:r>
-              <a:rPr lang="en-US" sz="1500"/>
+              <a:rPr lang="en-US" sz="1500" dirty="0"/>
               <a:t>2- Artificial Neural Network (ANN).</a:t>
             </a:r>
           </a:p>
@@ -8222,7 +8222,7 @@
               </a:lnSpc>
             </a:pPr>
             <a:r>
-              <a:rPr lang="en-US" sz="1500"/>
+              <a:rPr lang="en-US" sz="1500" dirty="0"/>
               <a:t>3- Random Forest Classifier.</a:t>
             </a:r>
           </a:p>
@@ -8233,9 +8233,10 @@
               </a:lnSpc>
             </a:pPr>
             <a:r>
-              <a:rPr lang="en-US" sz="1500"/>
+              <a:rPr lang="en-US" sz="1500" dirty="0"/>
               <a:t>It seems that, `Random Forest Classifier` was the best model fit with accuracy score **99.5 %**.</a:t>
             </a:r>
+            <a:endParaRPr lang="ar-SA" sz="1500" dirty="0"/>
           </a:p>
           <a:p>
             <a:pPr>
@@ -8243,7 +8244,15 @@
                 <a:spcPct val="110000"/>
               </a:lnSpc>
             </a:pPr>
-            <a:endParaRPr lang="en-US" sz="1500"/>
+            <a:r>
+              <a:rPr lang="en-US" sz="1500" dirty="0"/>
+              <a:t>Future work: work in dataset from NCM also consider radar images </a:t>
+            </a:r>
+            <a:r>
+              <a:rPr lang="en-US" sz="1500"/>
+              <a:t>and other factors.</a:t>
+            </a:r>
+            <a:endParaRPr lang="en-US" sz="1500" dirty="0"/>
           </a:p>
           <a:p>
             <a:pPr>
@@ -8251,7 +8260,15 @@
                 <a:spcPct val="110000"/>
               </a:lnSpc>
             </a:pPr>
-            <a:endParaRPr lang="en-SA" sz="1500"/>
+            <a:endParaRPr lang="en-US" sz="1500" dirty="0"/>
+          </a:p>
+          <a:p>
+            <a:pPr>
+              <a:lnSpc>
+                <a:spcPct val="110000"/>
+              </a:lnSpc>
+            </a:pPr>
+            <a:endParaRPr lang="en-SA" sz="1500" dirty="0"/>
           </a:p>
         </p:txBody>
       </p:sp>

--- a/Final_project/Presentation.pptx
+++ b/Final_project/Presentation.pptx
@@ -9487,9 +9487,12 @@
             </a:r>
             <a:r>
               <a:rPr lang="en-US" dirty="0"/>
-              <a:t>  website with title "Saudi Arabia Weather History".</a:t>
-            </a:r>
-            <a:endParaRPr lang="en-SA"/>
+              <a:t>  website with title "Saudi Arabia Weather History". Data shape </a:t>
+            </a:r>
+            <a:r>
+              <a:rPr lang="en-SA" dirty="0"/>
+              <a:t>249023 X 15</a:t>
+            </a:r>
           </a:p>
         </p:txBody>
       </p:sp>
